--- a/VIZ Pitch.pptx
+++ b/VIZ Pitch.pptx
@@ -1,33 +1,33 @@
 
 <file path=ppt/presentation.xml><?xml version="1.0" encoding="utf-8"?>
-<p:presentation xmlns:a="http://schemas.openxmlformats.org/drawingml/2006/main" xmlns:r="http://schemas.openxmlformats.org/officeDocument/2006/relationships" xmlns:mc="http://schemas.openxmlformats.org/markup-compatibility/2006" xmlns:mv="urn:schemas-microsoft-com:mac:vml" xmlns:p="http://schemas.openxmlformats.org/presentationml/2006/main" xmlns:c="http://schemas.openxmlformats.org/drawingml/2006/chart" xmlns:dgm="http://schemas.openxmlformats.org/drawingml/2006/diagram" xmlns:o="urn:schemas-microsoft-com:office:office" xmlns:v="urn:schemas-microsoft-com:vml" xmlns:pvml="urn:schemas-microsoft-com:office:powerpoint" xmlns:com="http://schemas.openxmlformats.org/drawingml/2006/compatibility" xmlns:p14="http://schemas.microsoft.com/office/powerpoint/2010/main" xmlns:p15="http://schemas.microsoft.com/office/powerpoint/2012/main" autoCompressPictures="0" embedTrueTypeFonts="1" strictFirstAndLastChars="0" saveSubsetFonts="1">
+<p:presentation xmlns:a="http://schemas.openxmlformats.org/drawingml/2006/main" xmlns:r="http://schemas.openxmlformats.org/officeDocument/2006/relationships" xmlns:p="http://schemas.openxmlformats.org/presentationml/2006/main" strictFirstAndLastChars="0" embedTrueTypeFonts="1" saveSubsetFonts="1" autoCompressPictures="0">
   <p:sldMasterIdLst>
-    <p:sldMasterId id="2147483659" r:id="rId4"/>
+    <p:sldMasterId id="2147483659" r:id="rId1"/>
   </p:sldMasterIdLst>
   <p:notesMasterIdLst>
-    <p:notesMasterId r:id="rId5"/>
+    <p:notesMasterId r:id="rId8"/>
   </p:notesMasterIdLst>
   <p:sldIdLst>
-    <p:sldId id="256" r:id="rId6"/>
-    <p:sldId id="257" r:id="rId7"/>
-    <p:sldId id="258" r:id="rId8"/>
-    <p:sldId id="259" r:id="rId9"/>
-    <p:sldId id="260" r:id="rId10"/>
-    <p:sldId id="261" r:id="rId11"/>
+    <p:sldId id="256" r:id="rId2"/>
+    <p:sldId id="257" r:id="rId3"/>
+    <p:sldId id="258" r:id="rId4"/>
+    <p:sldId id="259" r:id="rId5"/>
+    <p:sldId id="260" r:id="rId6"/>
+    <p:sldId id="261" r:id="rId7"/>
   </p:sldIdLst>
-  <p:sldSz cy="5143500" cx="9144000"/>
+  <p:sldSz cx="9144000" cy="5143500" type="screen16x9"/>
   <p:notesSz cx="6858000" cy="9144000"/>
   <p:embeddedFontLst>
     <p:embeddedFont>
-      <p:font typeface="Montserrat"/>
-      <p:regular r:id="rId12"/>
-      <p:bold r:id="rId13"/>
-      <p:italic r:id="rId14"/>
-      <p:boldItalic r:id="rId15"/>
+      <p:font typeface="Montserrat" panose="020B0604020202020204" charset="0"/>
+      <p:regular r:id="rId9"/>
+      <p:bold r:id="rId10"/>
+      <p:italic r:id="rId11"/>
+      <p:boldItalic r:id="rId12"/>
     </p:embeddedFont>
   </p:embeddedFontLst>
   <p:defaultTextStyle>
-    <a:defPPr lvl="0" marR="0" rtl="0" algn="l">
+    <a:defPPr marR="0" lvl="0" algn="l" rtl="0">
       <a:lnSpc>
         <a:spcPct val="100000"/>
       </a:lnSpc>
@@ -38,7 +38,7 @@
         <a:spcPts val="0"/>
       </a:spcAft>
     </a:defPPr>
-    <a:lvl1pPr lvl="0" marR="0" rtl="0" algn="l">
+    <a:lvl1pPr marR="0" lvl="0" algn="l" rtl="0">
       <a:lnSpc>
         <a:spcPct val="100000"/>
       </a:lnSpc>
@@ -52,7 +52,7 @@
         <a:srgbClr val="000000"/>
       </a:buClr>
       <a:buFont typeface="Arial"/>
-      <a:defRPr b="0" i="0" sz="1400" u="none" cap="none" strike="noStrike">
+      <a:defRPr sz="1400" b="0" i="0" u="none" strike="noStrike" cap="none">
         <a:solidFill>
           <a:srgbClr val="000000"/>
         </a:solidFill>
@@ -62,7 +62,7 @@
         <a:sym typeface="Arial"/>
       </a:defRPr>
     </a:lvl1pPr>
-    <a:lvl2pPr lvl="1" marR="0" rtl="0" algn="l">
+    <a:lvl2pPr marR="0" lvl="1" algn="l" rtl="0">
       <a:lnSpc>
         <a:spcPct val="100000"/>
       </a:lnSpc>
@@ -76,7 +76,7 @@
         <a:srgbClr val="000000"/>
       </a:buClr>
       <a:buFont typeface="Arial"/>
-      <a:defRPr b="0" i="0" sz="1400" u="none" cap="none" strike="noStrike">
+      <a:defRPr sz="1400" b="0" i="0" u="none" strike="noStrike" cap="none">
         <a:solidFill>
           <a:srgbClr val="000000"/>
         </a:solidFill>
@@ -86,7 +86,7 @@
         <a:sym typeface="Arial"/>
       </a:defRPr>
     </a:lvl2pPr>
-    <a:lvl3pPr lvl="2" marR="0" rtl="0" algn="l">
+    <a:lvl3pPr marR="0" lvl="2" algn="l" rtl="0">
       <a:lnSpc>
         <a:spcPct val="100000"/>
       </a:lnSpc>
@@ -100,7 +100,7 @@
         <a:srgbClr val="000000"/>
       </a:buClr>
       <a:buFont typeface="Arial"/>
-      <a:defRPr b="0" i="0" sz="1400" u="none" cap="none" strike="noStrike">
+      <a:defRPr sz="1400" b="0" i="0" u="none" strike="noStrike" cap="none">
         <a:solidFill>
           <a:srgbClr val="000000"/>
         </a:solidFill>
@@ -110,7 +110,7 @@
         <a:sym typeface="Arial"/>
       </a:defRPr>
     </a:lvl3pPr>
-    <a:lvl4pPr lvl="3" marR="0" rtl="0" algn="l">
+    <a:lvl4pPr marR="0" lvl="3" algn="l" rtl="0">
       <a:lnSpc>
         <a:spcPct val="100000"/>
       </a:lnSpc>
@@ -124,7 +124,7 @@
         <a:srgbClr val="000000"/>
       </a:buClr>
       <a:buFont typeface="Arial"/>
-      <a:defRPr b="0" i="0" sz="1400" u="none" cap="none" strike="noStrike">
+      <a:defRPr sz="1400" b="0" i="0" u="none" strike="noStrike" cap="none">
         <a:solidFill>
           <a:srgbClr val="000000"/>
         </a:solidFill>
@@ -134,7 +134,7 @@
         <a:sym typeface="Arial"/>
       </a:defRPr>
     </a:lvl4pPr>
-    <a:lvl5pPr lvl="4" marR="0" rtl="0" algn="l">
+    <a:lvl5pPr marR="0" lvl="4" algn="l" rtl="0">
       <a:lnSpc>
         <a:spcPct val="100000"/>
       </a:lnSpc>
@@ -148,7 +148,7 @@
         <a:srgbClr val="000000"/>
       </a:buClr>
       <a:buFont typeface="Arial"/>
-      <a:defRPr b="0" i="0" sz="1400" u="none" cap="none" strike="noStrike">
+      <a:defRPr sz="1400" b="0" i="0" u="none" strike="noStrike" cap="none">
         <a:solidFill>
           <a:srgbClr val="000000"/>
         </a:solidFill>
@@ -158,7 +158,7 @@
         <a:sym typeface="Arial"/>
       </a:defRPr>
     </a:lvl5pPr>
-    <a:lvl6pPr lvl="5" marR="0" rtl="0" algn="l">
+    <a:lvl6pPr marR="0" lvl="5" algn="l" rtl="0">
       <a:lnSpc>
         <a:spcPct val="100000"/>
       </a:lnSpc>
@@ -172,7 +172,7 @@
         <a:srgbClr val="000000"/>
       </a:buClr>
       <a:buFont typeface="Arial"/>
-      <a:defRPr b="0" i="0" sz="1400" u="none" cap="none" strike="noStrike">
+      <a:defRPr sz="1400" b="0" i="0" u="none" strike="noStrike" cap="none">
         <a:solidFill>
           <a:srgbClr val="000000"/>
         </a:solidFill>
@@ -182,7 +182,7 @@
         <a:sym typeface="Arial"/>
       </a:defRPr>
     </a:lvl6pPr>
-    <a:lvl7pPr lvl="6" marR="0" rtl="0" algn="l">
+    <a:lvl7pPr marR="0" lvl="6" algn="l" rtl="0">
       <a:lnSpc>
         <a:spcPct val="100000"/>
       </a:lnSpc>
@@ -196,7 +196,7 @@
         <a:srgbClr val="000000"/>
       </a:buClr>
       <a:buFont typeface="Arial"/>
-      <a:defRPr b="0" i="0" sz="1400" u="none" cap="none" strike="noStrike">
+      <a:defRPr sz="1400" b="0" i="0" u="none" strike="noStrike" cap="none">
         <a:solidFill>
           <a:srgbClr val="000000"/>
         </a:solidFill>
@@ -206,7 +206,7 @@
         <a:sym typeface="Arial"/>
       </a:defRPr>
     </a:lvl7pPr>
-    <a:lvl8pPr lvl="7" marR="0" rtl="0" algn="l">
+    <a:lvl8pPr marR="0" lvl="7" algn="l" rtl="0">
       <a:lnSpc>
         <a:spcPct val="100000"/>
       </a:lnSpc>
@@ -220,7 +220,7 @@
         <a:srgbClr val="000000"/>
       </a:buClr>
       <a:buFont typeface="Arial"/>
-      <a:defRPr b="0" i="0" sz="1400" u="none" cap="none" strike="noStrike">
+      <a:defRPr sz="1400" b="0" i="0" u="none" strike="noStrike" cap="none">
         <a:solidFill>
           <a:srgbClr val="000000"/>
         </a:solidFill>
@@ -230,7 +230,7 @@
         <a:sym typeface="Arial"/>
       </a:defRPr>
     </a:lvl8pPr>
-    <a:lvl9pPr lvl="8" marR="0" rtl="0" algn="l">
+    <a:lvl9pPr marR="0" lvl="8" algn="l" rtl="0">
       <a:lnSpc>
         <a:spcPct val="100000"/>
       </a:lnSpc>
@@ -244,7 +244,7 @@
         <a:srgbClr val="000000"/>
       </a:buClr>
       <a:buFont typeface="Arial"/>
-      <a:defRPr b="0" i="0" sz="1400" u="none" cap="none" strike="noStrike">
+      <a:defRPr sz="1400" b="0" i="0" u="none" strike="noStrike" cap="none">
         <a:solidFill>
           <a:srgbClr val="000000"/>
         </a:solidFill>
@@ -257,7 +257,7 @@
   </p:defaultTextStyle>
   <p:extLst>
     <p:ext uri="{EFAFB233-063F-42B5-8137-9DF3F51BA10A}">
-      <p15:sldGuideLst>
+      <p15:sldGuideLst xmlns:p15="http://schemas.microsoft.com/office/powerpoint/2012/main">
         <p15:guide id="1" orient="horz" pos="1620">
           <p15:clr>
             <a:srgbClr val="A4A3A4"/>
@@ -275,11 +275,16 @@
 </file>
 
 <file path=ppt/notesMasters/notesMaster1.xml><?xml version="1.0" encoding="utf-8"?>
-<p:notesMaster xmlns:a="http://schemas.openxmlformats.org/drawingml/2006/main" xmlns:r="http://schemas.openxmlformats.org/officeDocument/2006/relationships" xmlns:mc="http://schemas.openxmlformats.org/markup-compatibility/2006" xmlns:mv="urn:schemas-microsoft-com:mac:vml" xmlns:p="http://schemas.openxmlformats.org/presentationml/2006/main" xmlns:c="http://schemas.openxmlformats.org/drawingml/2006/chart" xmlns:dgm="http://schemas.openxmlformats.org/drawingml/2006/diagram" xmlns:o="urn:schemas-microsoft-com:office:office" xmlns:v="urn:schemas-microsoft-com:vml" xmlns:pvml="urn:schemas-microsoft-com:office:powerpoint" xmlns:com="http://schemas.openxmlformats.org/drawingml/2006/compatibility" xmlns:p14="http://schemas.microsoft.com/office/powerpoint/2010/main" xmlns:p15="http://schemas.microsoft.com/office/powerpoint/2012/main">
+<p:notesMaster xmlns:a="http://schemas.openxmlformats.org/drawingml/2006/main" xmlns:r="http://schemas.openxmlformats.org/officeDocument/2006/relationships" xmlns:p="http://schemas.openxmlformats.org/presentationml/2006/main">
   <p:cSld>
+    <p:bg>
+      <p:bgRef idx="1001">
+        <a:schemeClr val="bg1"/>
+      </p:bgRef>
+    </p:bg>
     <p:spTree>
       <p:nvGrpSpPr>
-        <p:cNvPr id="2" name="Shape 2"/>
+        <p:cNvPr id="1" name="Shape 2"/>
         <p:cNvGrpSpPr/>
         <p:nvPr/>
       </p:nvGrpSpPr>
@@ -294,9 +299,11 @@
       <p:sp>
         <p:nvSpPr>
           <p:cNvPr id="3" name="Google Shape;3;n"/>
-          <p:cNvSpPr/>
+          <p:cNvSpPr>
+            <a:spLocks noGrp="1" noRot="1" noChangeAspect="1"/>
+          </p:cNvSpPr>
           <p:nvPr>
-            <p:ph idx="2" type="sldImg"/>
+            <p:ph type="sldImg" idx="2"/>
           </p:nvPr>
         </p:nvSpPr>
         <p:spPr>
@@ -305,9 +312,13 @@
             <a:ext cx="6096075" cy="3429000"/>
           </a:xfrm>
           <a:custGeom>
-            <a:rect b="b" l="l" r="r" t="t"/>
+            <a:avLst/>
+            <a:gdLst/>
+            <a:ahLst/>
+            <a:cxnLst/>
+            <a:rect l="l" t="t" r="r" b="b"/>
             <a:pathLst>
-              <a:path extrusionOk="0" h="120000" w="120000">
+              <a:path w="120000" h="120000" extrusionOk="0">
                 <a:moveTo>
                   <a:pt x="0" y="0"/>
                 </a:moveTo>
@@ -325,23 +336,25 @@
             </a:pathLst>
           </a:custGeom>
           <a:noFill/>
-          <a:ln cap="flat" cmpd="sng" w="9525">
+          <a:ln w="9525" cap="flat" cmpd="sng">
             <a:solidFill>
               <a:srgbClr val="000000"/>
             </a:solidFill>
             <a:prstDash val="solid"/>
             <a:round/>
-            <a:headEnd len="sm" w="sm" type="none"/>
-            <a:tailEnd len="sm" w="sm" type="none"/>
+            <a:headEnd type="none" w="sm" len="sm"/>
+            <a:tailEnd type="none" w="sm" len="sm"/>
           </a:ln>
         </p:spPr>
       </p:sp>
       <p:sp>
         <p:nvSpPr>
           <p:cNvPr id="4" name="Google Shape;4;n"/>
-          <p:cNvSpPr txBox="1"/>
+          <p:cNvSpPr txBox="1">
+            <a:spLocks noGrp="1"/>
+          </p:cNvSpPr>
           <p:nvPr>
-            <p:ph idx="1" type="body"/>
+            <p:ph type="body" idx="1"/>
           </p:nvPr>
         </p:nvSpPr>
         <p:spPr>
@@ -358,11 +371,11 @@
           </a:ln>
         </p:spPr>
         <p:txBody>
-          <a:bodyPr anchorCtr="0" anchor="t" bIns="91425" lIns="91425" spcFirstLastPara="1" rIns="91425" wrap="square" tIns="91425">
+          <a:bodyPr spcFirstLastPara="1" wrap="square" lIns="91425" tIns="91425" rIns="91425" bIns="91425" anchor="t" anchorCtr="0">
             <a:noAutofit/>
           </a:bodyPr>
           <a:lstStyle>
-            <a:lvl1pPr indent="-298450" lvl="0" marL="457200">
+            <a:lvl1pPr marL="457200" lvl="0" indent="-298450">
               <a:spcBef>
                 <a:spcPts val="0"/>
               </a:spcBef>
@@ -373,7 +386,7 @@
               <a:buChar char="●"/>
               <a:defRPr sz="1100"/>
             </a:lvl1pPr>
-            <a:lvl2pPr indent="-298450" lvl="1" marL="914400">
+            <a:lvl2pPr marL="914400" lvl="1" indent="-298450">
               <a:spcBef>
                 <a:spcPts val="0"/>
               </a:spcBef>
@@ -384,7 +397,7 @@
               <a:buChar char="○"/>
               <a:defRPr sz="1100"/>
             </a:lvl2pPr>
-            <a:lvl3pPr indent="-298450" lvl="2" marL="1371600">
+            <a:lvl3pPr marL="1371600" lvl="2" indent="-298450">
               <a:spcBef>
                 <a:spcPts val="0"/>
               </a:spcBef>
@@ -395,7 +408,7 @@
               <a:buChar char="■"/>
               <a:defRPr sz="1100"/>
             </a:lvl3pPr>
-            <a:lvl4pPr indent="-298450" lvl="3" marL="1828800">
+            <a:lvl4pPr marL="1828800" lvl="3" indent="-298450">
               <a:spcBef>
                 <a:spcPts val="0"/>
               </a:spcBef>
@@ -406,7 +419,7 @@
               <a:buChar char="●"/>
               <a:defRPr sz="1100"/>
             </a:lvl4pPr>
-            <a:lvl5pPr indent="-298450" lvl="4" marL="2286000">
+            <a:lvl5pPr marL="2286000" lvl="4" indent="-298450">
               <a:spcBef>
                 <a:spcPts val="0"/>
               </a:spcBef>
@@ -417,7 +430,7 @@
               <a:buChar char="○"/>
               <a:defRPr sz="1100"/>
             </a:lvl5pPr>
-            <a:lvl6pPr indent="-298450" lvl="5" marL="2743200">
+            <a:lvl6pPr marL="2743200" lvl="5" indent="-298450">
               <a:spcBef>
                 <a:spcPts val="0"/>
               </a:spcBef>
@@ -428,7 +441,7 @@
               <a:buChar char="■"/>
               <a:defRPr sz="1100"/>
             </a:lvl6pPr>
-            <a:lvl7pPr indent="-298450" lvl="6" marL="3200400">
+            <a:lvl7pPr marL="3200400" lvl="6" indent="-298450">
               <a:spcBef>
                 <a:spcPts val="0"/>
               </a:spcBef>
@@ -439,7 +452,7 @@
               <a:buChar char="●"/>
               <a:defRPr sz="1100"/>
             </a:lvl7pPr>
-            <a:lvl8pPr indent="-298450" lvl="7" marL="3657600">
+            <a:lvl8pPr marL="3657600" lvl="7" indent="-298450">
               <a:spcBef>
                 <a:spcPts val="0"/>
               </a:spcBef>
@@ -450,7 +463,7 @@
               <a:buChar char="○"/>
               <a:defRPr sz="1100"/>
             </a:lvl8pPr>
-            <a:lvl9pPr indent="-298450" lvl="8" marL="4114800">
+            <a:lvl9pPr marL="4114800" lvl="8" indent="-298450">
               <a:spcBef>
                 <a:spcPts val="0"/>
               </a:spcBef>
@@ -462,14 +475,16 @@
               <a:defRPr sz="1100"/>
             </a:lvl9pPr>
           </a:lstStyle>
-          <a:p/>
+          <a:p>
+            <a:endParaRPr/>
+          </a:p>
         </p:txBody>
       </p:sp>
     </p:spTree>
   </p:cSld>
-  <p:clrMap accent1="accent1" accent2="accent2" accent3="accent3" accent4="accent4" accent5="accent5" accent6="accent6" bg1="lt1" bg2="dk2" tx1="dk1" tx2="lt2" folHlink="folHlink" hlink="hlink"/>
+  <p:clrMap bg1="lt1" tx1="dk1" bg2="dk2" tx2="lt2" accent1="accent1" accent2="accent2" accent3="accent3" accent4="accent4" accent5="accent5" accent6="accent6" hlink="hlink" folHlink="folHlink"/>
   <p:notesStyle>
-    <a:defPPr lvl="0" marR="0" rtl="0" algn="l">
+    <a:defPPr marR="0" lvl="0" algn="l" rtl="0">
       <a:lnSpc>
         <a:spcPct val="100000"/>
       </a:lnSpc>
@@ -480,7 +495,7 @@
         <a:spcPts val="0"/>
       </a:spcAft>
     </a:defPPr>
-    <a:lvl1pPr lvl="0" marR="0" rtl="0" algn="l">
+    <a:lvl1pPr marR="0" lvl="0" algn="l" rtl="0">
       <a:lnSpc>
         <a:spcPct val="100000"/>
       </a:lnSpc>
@@ -494,7 +509,7 @@
         <a:srgbClr val="000000"/>
       </a:buClr>
       <a:buFont typeface="Arial"/>
-      <a:defRPr b="0" i="0" sz="1400" u="none" cap="none" strike="noStrike">
+      <a:defRPr sz="1400" b="0" i="0" u="none" strike="noStrike" cap="none">
         <a:solidFill>
           <a:srgbClr val="000000"/>
         </a:solidFill>
@@ -504,7 +519,7 @@
         <a:sym typeface="Arial"/>
       </a:defRPr>
     </a:lvl1pPr>
-    <a:lvl2pPr lvl="1" marR="0" rtl="0" algn="l">
+    <a:lvl2pPr marR="0" lvl="1" algn="l" rtl="0">
       <a:lnSpc>
         <a:spcPct val="100000"/>
       </a:lnSpc>
@@ -518,7 +533,7 @@
         <a:srgbClr val="000000"/>
       </a:buClr>
       <a:buFont typeface="Arial"/>
-      <a:defRPr b="0" i="0" sz="1400" u="none" cap="none" strike="noStrike">
+      <a:defRPr sz="1400" b="0" i="0" u="none" strike="noStrike" cap="none">
         <a:solidFill>
           <a:srgbClr val="000000"/>
         </a:solidFill>
@@ -528,7 +543,7 @@
         <a:sym typeface="Arial"/>
       </a:defRPr>
     </a:lvl2pPr>
-    <a:lvl3pPr lvl="2" marR="0" rtl="0" algn="l">
+    <a:lvl3pPr marR="0" lvl="2" algn="l" rtl="0">
       <a:lnSpc>
         <a:spcPct val="100000"/>
       </a:lnSpc>
@@ -542,7 +557,7 @@
         <a:srgbClr val="000000"/>
       </a:buClr>
       <a:buFont typeface="Arial"/>
-      <a:defRPr b="0" i="0" sz="1400" u="none" cap="none" strike="noStrike">
+      <a:defRPr sz="1400" b="0" i="0" u="none" strike="noStrike" cap="none">
         <a:solidFill>
           <a:srgbClr val="000000"/>
         </a:solidFill>
@@ -552,7 +567,7 @@
         <a:sym typeface="Arial"/>
       </a:defRPr>
     </a:lvl3pPr>
-    <a:lvl4pPr lvl="3" marR="0" rtl="0" algn="l">
+    <a:lvl4pPr marR="0" lvl="3" algn="l" rtl="0">
       <a:lnSpc>
         <a:spcPct val="100000"/>
       </a:lnSpc>
@@ -566,7 +581,7 @@
         <a:srgbClr val="000000"/>
       </a:buClr>
       <a:buFont typeface="Arial"/>
-      <a:defRPr b="0" i="0" sz="1400" u="none" cap="none" strike="noStrike">
+      <a:defRPr sz="1400" b="0" i="0" u="none" strike="noStrike" cap="none">
         <a:solidFill>
           <a:srgbClr val="000000"/>
         </a:solidFill>
@@ -576,7 +591,7 @@
         <a:sym typeface="Arial"/>
       </a:defRPr>
     </a:lvl4pPr>
-    <a:lvl5pPr lvl="4" marR="0" rtl="0" algn="l">
+    <a:lvl5pPr marR="0" lvl="4" algn="l" rtl="0">
       <a:lnSpc>
         <a:spcPct val="100000"/>
       </a:lnSpc>
@@ -590,7 +605,7 @@
         <a:srgbClr val="000000"/>
       </a:buClr>
       <a:buFont typeface="Arial"/>
-      <a:defRPr b="0" i="0" sz="1400" u="none" cap="none" strike="noStrike">
+      <a:defRPr sz="1400" b="0" i="0" u="none" strike="noStrike" cap="none">
         <a:solidFill>
           <a:srgbClr val="000000"/>
         </a:solidFill>
@@ -600,7 +615,7 @@
         <a:sym typeface="Arial"/>
       </a:defRPr>
     </a:lvl5pPr>
-    <a:lvl6pPr lvl="5" marR="0" rtl="0" algn="l">
+    <a:lvl6pPr marR="0" lvl="5" algn="l" rtl="0">
       <a:lnSpc>
         <a:spcPct val="100000"/>
       </a:lnSpc>
@@ -614,7 +629,7 @@
         <a:srgbClr val="000000"/>
       </a:buClr>
       <a:buFont typeface="Arial"/>
-      <a:defRPr b="0" i="0" sz="1400" u="none" cap="none" strike="noStrike">
+      <a:defRPr sz="1400" b="0" i="0" u="none" strike="noStrike" cap="none">
         <a:solidFill>
           <a:srgbClr val="000000"/>
         </a:solidFill>
@@ -624,7 +639,7 @@
         <a:sym typeface="Arial"/>
       </a:defRPr>
     </a:lvl6pPr>
-    <a:lvl7pPr lvl="6" marR="0" rtl="0" algn="l">
+    <a:lvl7pPr marR="0" lvl="6" algn="l" rtl="0">
       <a:lnSpc>
         <a:spcPct val="100000"/>
       </a:lnSpc>
@@ -638,7 +653,7 @@
         <a:srgbClr val="000000"/>
       </a:buClr>
       <a:buFont typeface="Arial"/>
-      <a:defRPr b="0" i="0" sz="1400" u="none" cap="none" strike="noStrike">
+      <a:defRPr sz="1400" b="0" i="0" u="none" strike="noStrike" cap="none">
         <a:solidFill>
           <a:srgbClr val="000000"/>
         </a:solidFill>
@@ -648,7 +663,7 @@
         <a:sym typeface="Arial"/>
       </a:defRPr>
     </a:lvl7pPr>
-    <a:lvl8pPr lvl="7" marR="0" rtl="0" algn="l">
+    <a:lvl8pPr marR="0" lvl="7" algn="l" rtl="0">
       <a:lnSpc>
         <a:spcPct val="100000"/>
       </a:lnSpc>
@@ -662,7 +677,7 @@
         <a:srgbClr val="000000"/>
       </a:buClr>
       <a:buFont typeface="Arial"/>
-      <a:defRPr b="0" i="0" sz="1400" u="none" cap="none" strike="noStrike">
+      <a:defRPr sz="1400" b="0" i="0" u="none" strike="noStrike" cap="none">
         <a:solidFill>
           <a:srgbClr val="000000"/>
         </a:solidFill>
@@ -672,7 +687,7 @@
         <a:sym typeface="Arial"/>
       </a:defRPr>
     </a:lvl8pPr>
-    <a:lvl9pPr lvl="8" marR="0" rtl="0" algn="l">
+    <a:lvl9pPr marR="0" lvl="8" algn="l" rtl="0">
       <a:lnSpc>
         <a:spcPct val="100000"/>
       </a:lnSpc>
@@ -686,7 +701,7 @@
         <a:srgbClr val="000000"/>
       </a:buClr>
       <a:buFont typeface="Arial"/>
-      <a:defRPr b="0" i="0" sz="1400" u="none" cap="none" strike="noStrike">
+      <a:defRPr sz="1400" b="0" i="0" u="none" strike="noStrike" cap="none">
         <a:solidFill>
           <a:srgbClr val="000000"/>
         </a:solidFill>
@@ -701,11 +716,11 @@
 </file>
 
 <file path=ppt/notesSlides/notesSlide1.xml><?xml version="1.0" encoding="utf-8"?>
-<p:notes xmlns:a="http://schemas.openxmlformats.org/drawingml/2006/main" xmlns:r="http://schemas.openxmlformats.org/officeDocument/2006/relationships" xmlns:mc="http://schemas.openxmlformats.org/markup-compatibility/2006" xmlns:mv="urn:schemas-microsoft-com:mac:vml" xmlns:p="http://schemas.openxmlformats.org/presentationml/2006/main" xmlns:c="http://schemas.openxmlformats.org/drawingml/2006/chart" xmlns:dgm="http://schemas.openxmlformats.org/drawingml/2006/diagram" xmlns:o="urn:schemas-microsoft-com:office:office" xmlns:v="urn:schemas-microsoft-com:vml" xmlns:pvml="urn:schemas-microsoft-com:office:powerpoint" xmlns:com="http://schemas.openxmlformats.org/drawingml/2006/compatibility" xmlns:p14="http://schemas.microsoft.com/office/powerpoint/2010/main" xmlns:p15="http://schemas.microsoft.com/office/powerpoint/2012/main" showMasterPhAnim="0" showMasterSp="0">
+<p:notes xmlns:a="http://schemas.openxmlformats.org/drawingml/2006/main" xmlns:r="http://schemas.openxmlformats.org/officeDocument/2006/relationships" xmlns:p="http://schemas.openxmlformats.org/presentationml/2006/main" showMasterSp="0" showMasterPhAnim="0">
   <p:cSld>
     <p:spTree>
       <p:nvGrpSpPr>
-        <p:cNvPr id="50" name="Shape 50"/>
+        <p:cNvPr id="1" name="Shape 50"/>
         <p:cNvGrpSpPr/>
         <p:nvPr/>
       </p:nvGrpSpPr>
@@ -720,20 +735,26 @@
       <p:sp>
         <p:nvSpPr>
           <p:cNvPr id="51" name="Google Shape;51;p:notes"/>
-          <p:cNvSpPr/>
+          <p:cNvSpPr>
+            <a:spLocks noGrp="1" noRot="1" noChangeAspect="1"/>
+          </p:cNvSpPr>
           <p:nvPr>
-            <p:ph idx="2" type="sldImg"/>
+            <p:ph type="sldImg" idx="2"/>
           </p:nvPr>
         </p:nvSpPr>
         <p:spPr>
           <a:xfrm>
-            <a:off x="381300" y="685800"/>
-            <a:ext cx="6096075" cy="3429000"/>
+            <a:off x="381000" y="685800"/>
+            <a:ext cx="6096000" cy="3429000"/>
           </a:xfrm>
           <a:custGeom>
-            <a:rect b="b" l="l" r="r" t="t"/>
+            <a:avLst/>
+            <a:gdLst/>
+            <a:ahLst/>
+            <a:cxnLst/>
+            <a:rect l="l" t="t" r="r" b="b"/>
             <a:pathLst>
-              <a:path extrusionOk="0" h="120000" w="120000">
+              <a:path w="120000" h="120000" extrusionOk="0">
                 <a:moveTo>
                   <a:pt x="0" y="0"/>
                 </a:moveTo>
@@ -755,9 +776,11 @@
       <p:sp>
         <p:nvSpPr>
           <p:cNvPr id="52" name="Google Shape;52;p:notes"/>
-          <p:cNvSpPr txBox="1"/>
+          <p:cNvSpPr txBox="1">
+            <a:spLocks noGrp="1"/>
+          </p:cNvSpPr>
           <p:nvPr>
-            <p:ph idx="1" type="body"/>
+            <p:ph type="body" idx="1"/>
           </p:nvPr>
         </p:nvSpPr>
         <p:spPr>
@@ -770,12 +793,12 @@
           </a:prstGeom>
         </p:spPr>
         <p:txBody>
-          <a:bodyPr anchorCtr="0" anchor="t" bIns="91425" lIns="91425" spcFirstLastPara="1" rIns="91425" wrap="square" tIns="91425">
+          <a:bodyPr spcFirstLastPara="1" wrap="square" lIns="91425" tIns="91425" rIns="91425" bIns="91425" anchor="t" anchorCtr="0">
             <a:noAutofit/>
           </a:bodyPr>
           <a:lstStyle/>
           <a:p>
-            <a:pPr indent="0" lvl="0" marL="0" rtl="0" algn="l">
+            <a:pPr marL="0" lvl="0" indent="0" algn="l" rtl="0">
               <a:spcBef>
                 <a:spcPts val="0"/>
               </a:spcBef>
@@ -784,9 +807,6 @@
               </a:spcAft>
               <a:buNone/>
             </a:pPr>
-            <a:r>
-              <a:t/>
-            </a:r>
             <a:endParaRPr/>
           </a:p>
         </p:txBody>
@@ -800,11 +820,11 @@
 </file>
 
 <file path=ppt/notesSlides/notesSlide2.xml><?xml version="1.0" encoding="utf-8"?>
-<p:notes xmlns:a="http://schemas.openxmlformats.org/drawingml/2006/main" xmlns:r="http://schemas.openxmlformats.org/officeDocument/2006/relationships" xmlns:mc="http://schemas.openxmlformats.org/markup-compatibility/2006" xmlns:mv="urn:schemas-microsoft-com:mac:vml" xmlns:p="http://schemas.openxmlformats.org/presentationml/2006/main" xmlns:c="http://schemas.openxmlformats.org/drawingml/2006/chart" xmlns:dgm="http://schemas.openxmlformats.org/drawingml/2006/diagram" xmlns:o="urn:schemas-microsoft-com:office:office" xmlns:v="urn:schemas-microsoft-com:vml" xmlns:pvml="urn:schemas-microsoft-com:office:powerpoint" xmlns:com="http://schemas.openxmlformats.org/drawingml/2006/compatibility" xmlns:p14="http://schemas.microsoft.com/office/powerpoint/2010/main" xmlns:p15="http://schemas.microsoft.com/office/powerpoint/2012/main" showMasterPhAnim="0" showMasterSp="0">
+<p:notes xmlns:a="http://schemas.openxmlformats.org/drawingml/2006/main" xmlns:r="http://schemas.openxmlformats.org/officeDocument/2006/relationships" xmlns:p="http://schemas.openxmlformats.org/presentationml/2006/main" showMasterSp="0" showMasterPhAnim="0">
   <p:cSld>
     <p:spTree>
       <p:nvGrpSpPr>
-        <p:cNvPr id="55" name="Shape 55"/>
+        <p:cNvPr id="1" name="Shape 55"/>
         <p:cNvGrpSpPr/>
         <p:nvPr/>
       </p:nvGrpSpPr>
@@ -819,9 +839,11 @@
       <p:sp>
         <p:nvSpPr>
           <p:cNvPr id="56" name="Google Shape;56;g64a96288b7_1_13:notes"/>
-          <p:cNvSpPr/>
+          <p:cNvSpPr>
+            <a:spLocks noGrp="1" noRot="1" noChangeAspect="1"/>
+          </p:cNvSpPr>
           <p:nvPr>
-            <p:ph idx="2" type="sldImg"/>
+            <p:ph type="sldImg" idx="2"/>
           </p:nvPr>
         </p:nvSpPr>
         <p:spPr>
@@ -830,9 +852,13 @@
             <a:ext cx="6096000" cy="3429000"/>
           </a:xfrm>
           <a:custGeom>
-            <a:rect b="b" l="l" r="r" t="t"/>
+            <a:avLst/>
+            <a:gdLst/>
+            <a:ahLst/>
+            <a:cxnLst/>
+            <a:rect l="l" t="t" r="r" b="b"/>
             <a:pathLst>
-              <a:path extrusionOk="0" h="120000" w="120000">
+              <a:path w="120000" h="120000" extrusionOk="0">
                 <a:moveTo>
                   <a:pt x="0" y="0"/>
                 </a:moveTo>
@@ -854,9 +880,11 @@
       <p:sp>
         <p:nvSpPr>
           <p:cNvPr id="57" name="Google Shape;57;g64a96288b7_1_13:notes"/>
-          <p:cNvSpPr txBox="1"/>
+          <p:cNvSpPr txBox="1">
+            <a:spLocks noGrp="1"/>
+          </p:cNvSpPr>
           <p:nvPr>
-            <p:ph idx="1" type="body"/>
+            <p:ph type="body" idx="1"/>
           </p:nvPr>
         </p:nvSpPr>
         <p:spPr>
@@ -869,12 +897,12 @@
           </a:prstGeom>
         </p:spPr>
         <p:txBody>
-          <a:bodyPr anchorCtr="0" anchor="t" bIns="91425" lIns="91425" spcFirstLastPara="1" rIns="91425" wrap="square" tIns="91425">
+          <a:bodyPr spcFirstLastPara="1" wrap="square" lIns="91425" tIns="91425" rIns="91425" bIns="91425" anchor="t" anchorCtr="0">
             <a:noAutofit/>
           </a:bodyPr>
           <a:lstStyle/>
           <a:p>
-            <a:pPr indent="0" lvl="0" marL="0" rtl="0" algn="l">
+            <a:pPr marL="0" lvl="0" indent="0" algn="l" rtl="0">
               <a:spcBef>
                 <a:spcPts val="0"/>
               </a:spcBef>
@@ -883,9 +911,6 @@
               </a:spcAft>
               <a:buNone/>
             </a:pPr>
-            <a:r>
-              <a:t/>
-            </a:r>
             <a:endParaRPr/>
           </a:p>
         </p:txBody>
@@ -899,11 +924,11 @@
 </file>
 
 <file path=ppt/notesSlides/notesSlide3.xml><?xml version="1.0" encoding="utf-8"?>
-<p:notes xmlns:a="http://schemas.openxmlformats.org/drawingml/2006/main" xmlns:r="http://schemas.openxmlformats.org/officeDocument/2006/relationships" xmlns:mc="http://schemas.openxmlformats.org/markup-compatibility/2006" xmlns:mv="urn:schemas-microsoft-com:mac:vml" xmlns:p="http://schemas.openxmlformats.org/presentationml/2006/main" xmlns:c="http://schemas.openxmlformats.org/drawingml/2006/chart" xmlns:dgm="http://schemas.openxmlformats.org/drawingml/2006/diagram" xmlns:o="urn:schemas-microsoft-com:office:office" xmlns:v="urn:schemas-microsoft-com:vml" xmlns:pvml="urn:schemas-microsoft-com:office:powerpoint" xmlns:com="http://schemas.openxmlformats.org/drawingml/2006/compatibility" xmlns:p14="http://schemas.microsoft.com/office/powerpoint/2010/main" xmlns:p15="http://schemas.microsoft.com/office/powerpoint/2012/main" showMasterPhAnim="0" showMasterSp="0">
+<p:notes xmlns:a="http://schemas.openxmlformats.org/drawingml/2006/main" xmlns:r="http://schemas.openxmlformats.org/officeDocument/2006/relationships" xmlns:p="http://schemas.openxmlformats.org/presentationml/2006/main" showMasterSp="0" showMasterPhAnim="0">
   <p:cSld>
     <p:spTree>
       <p:nvGrpSpPr>
-        <p:cNvPr id="61" name="Shape 61"/>
+        <p:cNvPr id="1" name="Shape 61"/>
         <p:cNvGrpSpPr/>
         <p:nvPr/>
       </p:nvGrpSpPr>
@@ -918,9 +943,11 @@
       <p:sp>
         <p:nvSpPr>
           <p:cNvPr id="62" name="Google Shape;62;g64a96288b7_1_6:notes"/>
-          <p:cNvSpPr/>
+          <p:cNvSpPr>
+            <a:spLocks noGrp="1" noRot="1" noChangeAspect="1"/>
+          </p:cNvSpPr>
           <p:nvPr>
-            <p:ph idx="2" type="sldImg"/>
+            <p:ph type="sldImg" idx="2"/>
           </p:nvPr>
         </p:nvSpPr>
         <p:spPr>
@@ -929,9 +956,13 @@
             <a:ext cx="6096000" cy="3429000"/>
           </a:xfrm>
           <a:custGeom>
-            <a:rect b="b" l="l" r="r" t="t"/>
+            <a:avLst/>
+            <a:gdLst/>
+            <a:ahLst/>
+            <a:cxnLst/>
+            <a:rect l="l" t="t" r="r" b="b"/>
             <a:pathLst>
-              <a:path extrusionOk="0" h="120000" w="120000">
+              <a:path w="120000" h="120000" extrusionOk="0">
                 <a:moveTo>
                   <a:pt x="0" y="0"/>
                 </a:moveTo>
@@ -953,9 +984,11 @@
       <p:sp>
         <p:nvSpPr>
           <p:cNvPr id="63" name="Google Shape;63;g64a96288b7_1_6:notes"/>
-          <p:cNvSpPr txBox="1"/>
+          <p:cNvSpPr txBox="1">
+            <a:spLocks noGrp="1"/>
+          </p:cNvSpPr>
           <p:nvPr>
-            <p:ph idx="1" type="body"/>
+            <p:ph type="body" idx="1"/>
           </p:nvPr>
         </p:nvSpPr>
         <p:spPr>
@@ -968,12 +1001,12 @@
           </a:prstGeom>
         </p:spPr>
         <p:txBody>
-          <a:bodyPr anchorCtr="0" anchor="t" bIns="91425" lIns="91425" spcFirstLastPara="1" rIns="91425" wrap="square" tIns="91425">
+          <a:bodyPr spcFirstLastPara="1" wrap="square" lIns="91425" tIns="91425" rIns="91425" bIns="91425" anchor="t" anchorCtr="0">
             <a:noAutofit/>
           </a:bodyPr>
           <a:lstStyle/>
           <a:p>
-            <a:pPr indent="0" lvl="0" marL="0" rtl="0" algn="l">
+            <a:pPr marL="0" lvl="0" indent="0" algn="l" rtl="0">
               <a:spcBef>
                 <a:spcPts val="0"/>
               </a:spcBef>
@@ -982,9 +1015,6 @@
               </a:spcAft>
               <a:buNone/>
             </a:pPr>
-            <a:r>
-              <a:t/>
-            </a:r>
             <a:endParaRPr/>
           </a:p>
         </p:txBody>
@@ -998,11 +1028,11 @@
 </file>
 
 <file path=ppt/notesSlides/notesSlide4.xml><?xml version="1.0" encoding="utf-8"?>
-<p:notes xmlns:a="http://schemas.openxmlformats.org/drawingml/2006/main" xmlns:r="http://schemas.openxmlformats.org/officeDocument/2006/relationships" xmlns:mc="http://schemas.openxmlformats.org/markup-compatibility/2006" xmlns:mv="urn:schemas-microsoft-com:mac:vml" xmlns:p="http://schemas.openxmlformats.org/presentationml/2006/main" xmlns:c="http://schemas.openxmlformats.org/drawingml/2006/chart" xmlns:dgm="http://schemas.openxmlformats.org/drawingml/2006/diagram" xmlns:o="urn:schemas-microsoft-com:office:office" xmlns:v="urn:schemas-microsoft-com:vml" xmlns:pvml="urn:schemas-microsoft-com:office:powerpoint" xmlns:com="http://schemas.openxmlformats.org/drawingml/2006/compatibility" xmlns:p14="http://schemas.microsoft.com/office/powerpoint/2010/main" xmlns:p15="http://schemas.microsoft.com/office/powerpoint/2012/main" showMasterPhAnim="0" showMasterSp="0">
+<p:notes xmlns:a="http://schemas.openxmlformats.org/drawingml/2006/main" xmlns:r="http://schemas.openxmlformats.org/officeDocument/2006/relationships" xmlns:p="http://schemas.openxmlformats.org/presentationml/2006/main" showMasterSp="0" showMasterPhAnim="0">
   <p:cSld>
     <p:spTree>
       <p:nvGrpSpPr>
-        <p:cNvPr id="68" name="Shape 68"/>
+        <p:cNvPr id="1" name="Shape 68"/>
         <p:cNvGrpSpPr/>
         <p:nvPr/>
       </p:nvGrpSpPr>
@@ -1017,9 +1047,11 @@
       <p:sp>
         <p:nvSpPr>
           <p:cNvPr id="69" name="Google Shape;69;g64a96288b7_1_20:notes"/>
-          <p:cNvSpPr/>
+          <p:cNvSpPr>
+            <a:spLocks noGrp="1" noRot="1" noChangeAspect="1"/>
+          </p:cNvSpPr>
           <p:nvPr>
-            <p:ph idx="2" type="sldImg"/>
+            <p:ph type="sldImg" idx="2"/>
           </p:nvPr>
         </p:nvSpPr>
         <p:spPr>
@@ -1028,9 +1060,13 @@
             <a:ext cx="6096000" cy="3429000"/>
           </a:xfrm>
           <a:custGeom>
-            <a:rect b="b" l="l" r="r" t="t"/>
+            <a:avLst/>
+            <a:gdLst/>
+            <a:ahLst/>
+            <a:cxnLst/>
+            <a:rect l="l" t="t" r="r" b="b"/>
             <a:pathLst>
-              <a:path extrusionOk="0" h="120000" w="120000">
+              <a:path w="120000" h="120000" extrusionOk="0">
                 <a:moveTo>
                   <a:pt x="0" y="0"/>
                 </a:moveTo>
@@ -1052,9 +1088,11 @@
       <p:sp>
         <p:nvSpPr>
           <p:cNvPr id="70" name="Google Shape;70;g64a96288b7_1_20:notes"/>
-          <p:cNvSpPr txBox="1"/>
+          <p:cNvSpPr txBox="1">
+            <a:spLocks noGrp="1"/>
+          </p:cNvSpPr>
           <p:nvPr>
-            <p:ph idx="1" type="body"/>
+            <p:ph type="body" idx="1"/>
           </p:nvPr>
         </p:nvSpPr>
         <p:spPr>
@@ -1067,12 +1105,12 @@
           </a:prstGeom>
         </p:spPr>
         <p:txBody>
-          <a:bodyPr anchorCtr="0" anchor="t" bIns="91425" lIns="91425" spcFirstLastPara="1" rIns="91425" wrap="square" tIns="91425">
+          <a:bodyPr spcFirstLastPara="1" wrap="square" lIns="91425" tIns="91425" rIns="91425" bIns="91425" anchor="t" anchorCtr="0">
             <a:noAutofit/>
           </a:bodyPr>
           <a:lstStyle/>
           <a:p>
-            <a:pPr indent="0" lvl="0" marL="0" rtl="0" algn="l">
+            <a:pPr marL="0" lvl="0" indent="0" algn="l" rtl="0">
               <a:spcBef>
                 <a:spcPts val="0"/>
               </a:spcBef>
@@ -1081,9 +1119,6 @@
               </a:spcAft>
               <a:buNone/>
             </a:pPr>
-            <a:r>
-              <a:t/>
-            </a:r>
             <a:endParaRPr/>
           </a:p>
         </p:txBody>
@@ -1097,11 +1132,11 @@
 </file>
 
 <file path=ppt/notesSlides/notesSlide5.xml><?xml version="1.0" encoding="utf-8"?>
-<p:notes xmlns:a="http://schemas.openxmlformats.org/drawingml/2006/main" xmlns:r="http://schemas.openxmlformats.org/officeDocument/2006/relationships" xmlns:mc="http://schemas.openxmlformats.org/markup-compatibility/2006" xmlns:mv="urn:schemas-microsoft-com:mac:vml" xmlns:p="http://schemas.openxmlformats.org/presentationml/2006/main" xmlns:c="http://schemas.openxmlformats.org/drawingml/2006/chart" xmlns:dgm="http://schemas.openxmlformats.org/drawingml/2006/diagram" xmlns:o="urn:schemas-microsoft-com:office:office" xmlns:v="urn:schemas-microsoft-com:vml" xmlns:pvml="urn:schemas-microsoft-com:office:powerpoint" xmlns:com="http://schemas.openxmlformats.org/drawingml/2006/compatibility" xmlns:p14="http://schemas.microsoft.com/office/powerpoint/2010/main" xmlns:p15="http://schemas.microsoft.com/office/powerpoint/2012/main" showMasterPhAnim="0" showMasterSp="0">
+<p:notes xmlns:a="http://schemas.openxmlformats.org/drawingml/2006/main" xmlns:r="http://schemas.openxmlformats.org/officeDocument/2006/relationships" xmlns:p="http://schemas.openxmlformats.org/presentationml/2006/main" showMasterSp="0" showMasterPhAnim="0">
   <p:cSld>
     <p:spTree>
       <p:nvGrpSpPr>
-        <p:cNvPr id="78" name="Shape 78"/>
+        <p:cNvPr id="1" name="Shape 78"/>
         <p:cNvGrpSpPr/>
         <p:nvPr/>
       </p:nvGrpSpPr>
@@ -1116,9 +1151,11 @@
       <p:sp>
         <p:nvSpPr>
           <p:cNvPr id="79" name="Google Shape;79;g64a96288b7_1_31:notes"/>
-          <p:cNvSpPr/>
+          <p:cNvSpPr>
+            <a:spLocks noGrp="1" noRot="1" noChangeAspect="1"/>
+          </p:cNvSpPr>
           <p:nvPr>
-            <p:ph idx="2" type="sldImg"/>
+            <p:ph type="sldImg" idx="2"/>
           </p:nvPr>
         </p:nvSpPr>
         <p:spPr>
@@ -1127,9 +1164,13 @@
             <a:ext cx="6096000" cy="3429000"/>
           </a:xfrm>
           <a:custGeom>
-            <a:rect b="b" l="l" r="r" t="t"/>
+            <a:avLst/>
+            <a:gdLst/>
+            <a:ahLst/>
+            <a:cxnLst/>
+            <a:rect l="l" t="t" r="r" b="b"/>
             <a:pathLst>
-              <a:path extrusionOk="0" h="120000" w="120000">
+              <a:path w="120000" h="120000" extrusionOk="0">
                 <a:moveTo>
                   <a:pt x="0" y="0"/>
                 </a:moveTo>
@@ -1151,9 +1192,11 @@
       <p:sp>
         <p:nvSpPr>
           <p:cNvPr id="80" name="Google Shape;80;g64a96288b7_1_31:notes"/>
-          <p:cNvSpPr txBox="1"/>
+          <p:cNvSpPr txBox="1">
+            <a:spLocks noGrp="1"/>
+          </p:cNvSpPr>
           <p:nvPr>
-            <p:ph idx="1" type="body"/>
+            <p:ph type="body" idx="1"/>
           </p:nvPr>
         </p:nvSpPr>
         <p:spPr>
@@ -1166,12 +1209,12 @@
           </a:prstGeom>
         </p:spPr>
         <p:txBody>
-          <a:bodyPr anchorCtr="0" anchor="t" bIns="91425" lIns="91425" spcFirstLastPara="1" rIns="91425" wrap="square" tIns="91425">
+          <a:bodyPr spcFirstLastPara="1" wrap="square" lIns="91425" tIns="91425" rIns="91425" bIns="91425" anchor="t" anchorCtr="0">
             <a:noAutofit/>
           </a:bodyPr>
           <a:lstStyle/>
           <a:p>
-            <a:pPr indent="0" lvl="0" marL="0" rtl="0" algn="l">
+            <a:pPr marL="0" lvl="0" indent="0" algn="l" rtl="0">
               <a:spcBef>
                 <a:spcPts val="0"/>
               </a:spcBef>
@@ -1180,9 +1223,6 @@
               </a:spcAft>
               <a:buNone/>
             </a:pPr>
-            <a:r>
-              <a:t/>
-            </a:r>
             <a:endParaRPr/>
           </a:p>
         </p:txBody>
@@ -1196,11 +1236,11 @@
 </file>
 
 <file path=ppt/notesSlides/notesSlide6.xml><?xml version="1.0" encoding="utf-8"?>
-<p:notes xmlns:a="http://schemas.openxmlformats.org/drawingml/2006/main" xmlns:r="http://schemas.openxmlformats.org/officeDocument/2006/relationships" xmlns:mc="http://schemas.openxmlformats.org/markup-compatibility/2006" xmlns:mv="urn:schemas-microsoft-com:mac:vml" xmlns:p="http://schemas.openxmlformats.org/presentationml/2006/main" xmlns:c="http://schemas.openxmlformats.org/drawingml/2006/chart" xmlns:dgm="http://schemas.openxmlformats.org/drawingml/2006/diagram" xmlns:o="urn:schemas-microsoft-com:office:office" xmlns:v="urn:schemas-microsoft-com:vml" xmlns:pvml="urn:schemas-microsoft-com:office:powerpoint" xmlns:com="http://schemas.openxmlformats.org/drawingml/2006/compatibility" xmlns:p14="http://schemas.microsoft.com/office/powerpoint/2010/main" xmlns:p15="http://schemas.microsoft.com/office/powerpoint/2012/main" showMasterPhAnim="0" showMasterSp="0">
+<p:notes xmlns:a="http://schemas.openxmlformats.org/drawingml/2006/main" xmlns:r="http://schemas.openxmlformats.org/officeDocument/2006/relationships" xmlns:p="http://schemas.openxmlformats.org/presentationml/2006/main" showMasterSp="0" showMasterPhAnim="0">
   <p:cSld>
     <p:spTree>
       <p:nvGrpSpPr>
-        <p:cNvPr id="84" name="Shape 84"/>
+        <p:cNvPr id="1" name="Shape 84"/>
         <p:cNvGrpSpPr/>
         <p:nvPr/>
       </p:nvGrpSpPr>
@@ -1215,9 +1255,11 @@
       <p:sp>
         <p:nvSpPr>
           <p:cNvPr id="85" name="Google Shape;85;g64a96288b7_1_43:notes"/>
-          <p:cNvSpPr/>
+          <p:cNvSpPr>
+            <a:spLocks noGrp="1" noRot="1" noChangeAspect="1"/>
+          </p:cNvSpPr>
           <p:nvPr>
-            <p:ph idx="2" type="sldImg"/>
+            <p:ph type="sldImg" idx="2"/>
           </p:nvPr>
         </p:nvSpPr>
         <p:spPr>
@@ -1226,9 +1268,13 @@
             <a:ext cx="6096000" cy="3429000"/>
           </a:xfrm>
           <a:custGeom>
-            <a:rect b="b" l="l" r="r" t="t"/>
+            <a:avLst/>
+            <a:gdLst/>
+            <a:ahLst/>
+            <a:cxnLst/>
+            <a:rect l="l" t="t" r="r" b="b"/>
             <a:pathLst>
-              <a:path extrusionOk="0" h="120000" w="120000">
+              <a:path w="120000" h="120000" extrusionOk="0">
                 <a:moveTo>
                   <a:pt x="0" y="0"/>
                 </a:moveTo>
@@ -1250,9 +1296,11 @@
       <p:sp>
         <p:nvSpPr>
           <p:cNvPr id="86" name="Google Shape;86;g64a96288b7_1_43:notes"/>
-          <p:cNvSpPr txBox="1"/>
+          <p:cNvSpPr txBox="1">
+            <a:spLocks noGrp="1"/>
+          </p:cNvSpPr>
           <p:nvPr>
-            <p:ph idx="1" type="body"/>
+            <p:ph type="body" idx="1"/>
           </p:nvPr>
         </p:nvSpPr>
         <p:spPr>
@@ -1265,12 +1313,12 @@
           </a:prstGeom>
         </p:spPr>
         <p:txBody>
-          <a:bodyPr anchorCtr="0" anchor="t" bIns="91425" lIns="91425" spcFirstLastPara="1" rIns="91425" wrap="square" tIns="91425">
+          <a:bodyPr spcFirstLastPara="1" wrap="square" lIns="91425" tIns="91425" rIns="91425" bIns="91425" anchor="t" anchorCtr="0">
             <a:noAutofit/>
           </a:bodyPr>
           <a:lstStyle/>
           <a:p>
-            <a:pPr indent="0" lvl="0" marL="0" rtl="0" algn="l">
+            <a:pPr marL="0" lvl="0" indent="0" algn="l" rtl="0">
               <a:spcBef>
                 <a:spcPts val="0"/>
               </a:spcBef>
@@ -1279,9 +1327,6 @@
               </a:spcAft>
               <a:buNone/>
             </a:pPr>
-            <a:r>
-              <a:t/>
-            </a:r>
             <a:endParaRPr/>
           </a:p>
         </p:txBody>
@@ -1295,11 +1340,11 @@
 </file>
 
 <file path=ppt/slideLayouts/slideLayout1.xml><?xml version="1.0" encoding="utf-8"?>
-<p:sldLayout xmlns:a="http://schemas.openxmlformats.org/drawingml/2006/main" xmlns:r="http://schemas.openxmlformats.org/officeDocument/2006/relationships" xmlns:mc="http://schemas.openxmlformats.org/markup-compatibility/2006" xmlns:mv="urn:schemas-microsoft-com:mac:vml" xmlns:p="http://schemas.openxmlformats.org/presentationml/2006/main" xmlns:c="http://schemas.openxmlformats.org/drawingml/2006/chart" xmlns:dgm="http://schemas.openxmlformats.org/drawingml/2006/diagram" xmlns:o="urn:schemas-microsoft-com:office:office" xmlns:v="urn:schemas-microsoft-com:vml" xmlns:pvml="urn:schemas-microsoft-com:office:powerpoint" xmlns:com="http://schemas.openxmlformats.org/drawingml/2006/compatibility" xmlns:p14="http://schemas.microsoft.com/office/powerpoint/2010/main" xmlns:p15="http://schemas.microsoft.com/office/powerpoint/2012/main" matchingName="Title slide" type="title">
+<p:sldLayout xmlns:a="http://schemas.openxmlformats.org/drawingml/2006/main" xmlns:r="http://schemas.openxmlformats.org/officeDocument/2006/relationships" xmlns:p="http://schemas.openxmlformats.org/presentationml/2006/main" matchingName="Title slide" type="title">
   <p:cSld name="TITLE">
     <p:spTree>
       <p:nvGrpSpPr>
-        <p:cNvPr id="9" name="Shape 9"/>
+        <p:cNvPr id="1" name="Shape 9"/>
         <p:cNvGrpSpPr/>
         <p:nvPr/>
       </p:nvGrpSpPr>
@@ -1314,7 +1359,9 @@
       <p:sp>
         <p:nvSpPr>
           <p:cNvPr id="10" name="Google Shape;10;p2"/>
-          <p:cNvSpPr txBox="1"/>
+          <p:cNvSpPr txBox="1">
+            <a:spLocks noGrp="1"/>
+          </p:cNvSpPr>
           <p:nvPr>
             <p:ph type="ctrTitle"/>
           </p:nvPr>
@@ -1329,7 +1376,7 @@
           </a:prstGeom>
         </p:spPr>
         <p:txBody>
-          <a:bodyPr anchorCtr="0" anchor="b" bIns="91425" lIns="91425" spcFirstLastPara="1" rIns="91425" wrap="square" tIns="91425">
+          <a:bodyPr spcFirstLastPara="1" wrap="square" lIns="91425" tIns="91425" rIns="91425" bIns="91425" anchor="b" anchorCtr="0">
             <a:noAutofit/>
           </a:bodyPr>
           <a:lstStyle>
@@ -1433,15 +1480,19 @@
               <a:defRPr sz="5200"/>
             </a:lvl9pPr>
           </a:lstStyle>
-          <a:p/>
+          <a:p>
+            <a:endParaRPr/>
+          </a:p>
         </p:txBody>
       </p:sp>
       <p:sp>
         <p:nvSpPr>
           <p:cNvPr id="11" name="Google Shape;11;p2"/>
-          <p:cNvSpPr txBox="1"/>
+          <p:cNvSpPr txBox="1">
+            <a:spLocks noGrp="1"/>
+          </p:cNvSpPr>
           <p:nvPr>
-            <p:ph idx="1" type="subTitle"/>
+            <p:ph type="subTitle" idx="1"/>
           </p:nvPr>
         </p:nvSpPr>
         <p:spPr>
@@ -1454,7 +1505,7 @@
           </a:prstGeom>
         </p:spPr>
         <p:txBody>
-          <a:bodyPr anchorCtr="0" anchor="t" bIns="91425" lIns="91425" spcFirstLastPara="1" rIns="91425" wrap="square" tIns="91425">
+          <a:bodyPr spcFirstLastPara="1" wrap="square" lIns="91425" tIns="91425" rIns="91425" bIns="91425" anchor="t" anchorCtr="0">
             <a:noAutofit/>
           </a:bodyPr>
           <a:lstStyle>
@@ -1585,15 +1636,19 @@
               <a:defRPr sz="2800"/>
             </a:lvl9pPr>
           </a:lstStyle>
-          <a:p/>
+          <a:p>
+            <a:endParaRPr/>
+          </a:p>
         </p:txBody>
       </p:sp>
       <p:sp>
         <p:nvSpPr>
           <p:cNvPr id="12" name="Google Shape;12;p2"/>
-          <p:cNvSpPr txBox="1"/>
+          <p:cNvSpPr txBox="1">
+            <a:spLocks noGrp="1"/>
+          </p:cNvSpPr>
           <p:nvPr>
-            <p:ph idx="12" type="sldNum"/>
+            <p:ph type="sldNum" idx="12"/>
           </p:nvPr>
         </p:nvSpPr>
         <p:spPr>
@@ -1606,7 +1661,7 @@
           </a:prstGeom>
         </p:spPr>
         <p:txBody>
-          <a:bodyPr anchorCtr="0" anchor="ctr" bIns="91425" lIns="91425" spcFirstLastPara="1" rIns="91425" wrap="square" tIns="91425">
+          <a:bodyPr spcFirstLastPara="1" wrap="square" lIns="91425" tIns="91425" rIns="91425" bIns="91425" anchor="ctr" anchorCtr="0">
             <a:noAutofit/>
           </a:bodyPr>
           <a:lstStyle>
@@ -1648,7 +1703,7 @@
             </a:lvl9pPr>
           </a:lstStyle>
           <a:p>
-            <a:pPr indent="0" lvl="0" marL="0" rtl="0" algn="r">
+            <a:pPr marL="0" lvl="0" indent="0" algn="r" rtl="0">
               <a:spcBef>
                 <a:spcPts val="0"/>
               </a:spcBef>
@@ -1674,11 +1729,11 @@
 </file>
 
 <file path=ppt/slideLayouts/slideLayout10.xml><?xml version="1.0" encoding="utf-8"?>
-<p:sldLayout xmlns:a="http://schemas.openxmlformats.org/drawingml/2006/main" xmlns:r="http://schemas.openxmlformats.org/officeDocument/2006/relationships" xmlns:mc="http://schemas.openxmlformats.org/markup-compatibility/2006" xmlns:mv="urn:schemas-microsoft-com:mac:vml" xmlns:p="http://schemas.openxmlformats.org/presentationml/2006/main" xmlns:c="http://schemas.openxmlformats.org/drawingml/2006/chart" xmlns:dgm="http://schemas.openxmlformats.org/drawingml/2006/diagram" xmlns:o="urn:schemas-microsoft-com:office:office" xmlns:v="urn:schemas-microsoft-com:vml" xmlns:pvml="urn:schemas-microsoft-com:office:powerpoint" xmlns:com="http://schemas.openxmlformats.org/drawingml/2006/compatibility" xmlns:p14="http://schemas.microsoft.com/office/powerpoint/2010/main" xmlns:p15="http://schemas.microsoft.com/office/powerpoint/2012/main" matchingName="Big number">
+<p:sldLayout xmlns:a="http://schemas.openxmlformats.org/drawingml/2006/main" xmlns:r="http://schemas.openxmlformats.org/officeDocument/2006/relationships" xmlns:p="http://schemas.openxmlformats.org/presentationml/2006/main" matchingName="Big number">
   <p:cSld name="BIG_NUMBER">
     <p:spTree>
       <p:nvGrpSpPr>
-        <p:cNvPr id="44" name="Shape 44"/>
+        <p:cNvPr id="1" name="Shape 44"/>
         <p:cNvGrpSpPr/>
         <p:nvPr/>
       </p:nvGrpSpPr>
@@ -1693,9 +1748,11 @@
       <p:sp>
         <p:nvSpPr>
           <p:cNvPr id="45" name="Google Shape;45;p11"/>
-          <p:cNvSpPr txBox="1"/>
+          <p:cNvSpPr txBox="1">
+            <a:spLocks noGrp="1"/>
+          </p:cNvSpPr>
           <p:nvPr>
-            <p:ph hasCustomPrompt="1" type="title"/>
+            <p:ph type="title" hasCustomPrompt="1"/>
           </p:nvPr>
         </p:nvSpPr>
         <p:spPr>
@@ -1708,7 +1765,7 @@
           </a:prstGeom>
         </p:spPr>
         <p:txBody>
-          <a:bodyPr anchorCtr="0" anchor="b" bIns="91425" lIns="91425" spcFirstLastPara="1" rIns="91425" wrap="square" tIns="91425">
+          <a:bodyPr spcFirstLastPara="1" wrap="square" lIns="91425" tIns="91425" rIns="91425" bIns="91425" anchor="b" anchorCtr="0">
             <a:noAutofit/>
           </a:bodyPr>
           <a:lstStyle>
@@ -1822,9 +1879,11 @@
       <p:sp>
         <p:nvSpPr>
           <p:cNvPr id="46" name="Google Shape;46;p11"/>
-          <p:cNvSpPr txBox="1"/>
+          <p:cNvSpPr txBox="1">
+            <a:spLocks noGrp="1"/>
+          </p:cNvSpPr>
           <p:nvPr>
-            <p:ph idx="1" type="body"/>
+            <p:ph type="body" idx="1"/>
           </p:nvPr>
         </p:nvSpPr>
         <p:spPr>
@@ -1837,11 +1896,11 @@
           </a:prstGeom>
         </p:spPr>
         <p:txBody>
-          <a:bodyPr anchorCtr="0" anchor="t" bIns="91425" lIns="91425" spcFirstLastPara="1" rIns="91425" wrap="square" tIns="91425">
+          <a:bodyPr spcFirstLastPara="1" wrap="square" lIns="91425" tIns="91425" rIns="91425" bIns="91425" anchor="t" anchorCtr="0">
             <a:noAutofit/>
           </a:bodyPr>
           <a:lstStyle>
-            <a:lvl1pPr indent="-342900" lvl="0" marL="457200" algn="ctr">
+            <a:lvl1pPr marL="457200" lvl="0" indent="-342900" algn="ctr">
               <a:spcBef>
                 <a:spcPts val="0"/>
               </a:spcBef>
@@ -1852,7 +1911,7 @@
               <a:buChar char="●"/>
               <a:defRPr/>
             </a:lvl1pPr>
-            <a:lvl2pPr indent="-317500" lvl="1" marL="914400" algn="ctr">
+            <a:lvl2pPr marL="914400" lvl="1" indent="-317500" algn="ctr">
               <a:spcBef>
                 <a:spcPts val="1600"/>
               </a:spcBef>
@@ -1863,7 +1922,7 @@
               <a:buChar char="○"/>
               <a:defRPr/>
             </a:lvl2pPr>
-            <a:lvl3pPr indent="-317500" lvl="2" marL="1371600" algn="ctr">
+            <a:lvl3pPr marL="1371600" lvl="2" indent="-317500" algn="ctr">
               <a:spcBef>
                 <a:spcPts val="1600"/>
               </a:spcBef>
@@ -1874,7 +1933,7 @@
               <a:buChar char="■"/>
               <a:defRPr/>
             </a:lvl3pPr>
-            <a:lvl4pPr indent="-317500" lvl="3" marL="1828800" algn="ctr">
+            <a:lvl4pPr marL="1828800" lvl="3" indent="-317500" algn="ctr">
               <a:spcBef>
                 <a:spcPts val="1600"/>
               </a:spcBef>
@@ -1885,7 +1944,7 @@
               <a:buChar char="●"/>
               <a:defRPr/>
             </a:lvl4pPr>
-            <a:lvl5pPr indent="-317500" lvl="4" marL="2286000" algn="ctr">
+            <a:lvl5pPr marL="2286000" lvl="4" indent="-317500" algn="ctr">
               <a:spcBef>
                 <a:spcPts val="1600"/>
               </a:spcBef>
@@ -1896,7 +1955,7 @@
               <a:buChar char="○"/>
               <a:defRPr/>
             </a:lvl5pPr>
-            <a:lvl6pPr indent="-317500" lvl="5" marL="2743200" algn="ctr">
+            <a:lvl6pPr marL="2743200" lvl="5" indent="-317500" algn="ctr">
               <a:spcBef>
                 <a:spcPts val="1600"/>
               </a:spcBef>
@@ -1907,7 +1966,7 @@
               <a:buChar char="■"/>
               <a:defRPr/>
             </a:lvl6pPr>
-            <a:lvl7pPr indent="-317500" lvl="6" marL="3200400" algn="ctr">
+            <a:lvl7pPr marL="3200400" lvl="6" indent="-317500" algn="ctr">
               <a:spcBef>
                 <a:spcPts val="1600"/>
               </a:spcBef>
@@ -1918,7 +1977,7 @@
               <a:buChar char="●"/>
               <a:defRPr/>
             </a:lvl7pPr>
-            <a:lvl8pPr indent="-317500" lvl="7" marL="3657600" algn="ctr">
+            <a:lvl8pPr marL="3657600" lvl="7" indent="-317500" algn="ctr">
               <a:spcBef>
                 <a:spcPts val="1600"/>
               </a:spcBef>
@@ -1929,7 +1988,7 @@
               <a:buChar char="○"/>
               <a:defRPr/>
             </a:lvl8pPr>
-            <a:lvl9pPr indent="-317500" lvl="8" marL="4114800" algn="ctr">
+            <a:lvl9pPr marL="4114800" lvl="8" indent="-317500" algn="ctr">
               <a:spcBef>
                 <a:spcPts val="1600"/>
               </a:spcBef>
@@ -1941,15 +2000,19 @@
               <a:defRPr/>
             </a:lvl9pPr>
           </a:lstStyle>
-          <a:p/>
+          <a:p>
+            <a:endParaRPr/>
+          </a:p>
         </p:txBody>
       </p:sp>
       <p:sp>
         <p:nvSpPr>
           <p:cNvPr id="47" name="Google Shape;47;p11"/>
-          <p:cNvSpPr txBox="1"/>
+          <p:cNvSpPr txBox="1">
+            <a:spLocks noGrp="1"/>
+          </p:cNvSpPr>
           <p:nvPr>
-            <p:ph idx="12" type="sldNum"/>
+            <p:ph type="sldNum" idx="12"/>
           </p:nvPr>
         </p:nvSpPr>
         <p:spPr>
@@ -1962,7 +2025,7 @@
           </a:prstGeom>
         </p:spPr>
         <p:txBody>
-          <a:bodyPr anchorCtr="0" anchor="ctr" bIns="91425" lIns="91425" spcFirstLastPara="1" rIns="91425" wrap="square" tIns="91425">
+          <a:bodyPr spcFirstLastPara="1" wrap="square" lIns="91425" tIns="91425" rIns="91425" bIns="91425" anchor="ctr" anchorCtr="0">
             <a:noAutofit/>
           </a:bodyPr>
           <a:lstStyle>
@@ -2004,7 +2067,7 @@
             </a:lvl9pPr>
           </a:lstStyle>
           <a:p>
-            <a:pPr indent="0" lvl="0" marL="0" rtl="0" algn="r">
+            <a:pPr marL="0" lvl="0" indent="0" algn="r" rtl="0">
               <a:spcBef>
                 <a:spcPts val="0"/>
               </a:spcBef>
@@ -2030,11 +2093,11 @@
 </file>
 
 <file path=ppt/slideLayouts/slideLayout11.xml><?xml version="1.0" encoding="utf-8"?>
-<p:sldLayout xmlns:a="http://schemas.openxmlformats.org/drawingml/2006/main" xmlns:r="http://schemas.openxmlformats.org/officeDocument/2006/relationships" xmlns:mc="http://schemas.openxmlformats.org/markup-compatibility/2006" xmlns:mv="urn:schemas-microsoft-com:mac:vml" xmlns:p="http://schemas.openxmlformats.org/presentationml/2006/main" xmlns:c="http://schemas.openxmlformats.org/drawingml/2006/chart" xmlns:dgm="http://schemas.openxmlformats.org/drawingml/2006/diagram" xmlns:o="urn:schemas-microsoft-com:office:office" xmlns:v="urn:schemas-microsoft-com:vml" xmlns:pvml="urn:schemas-microsoft-com:office:powerpoint" xmlns:com="http://schemas.openxmlformats.org/drawingml/2006/compatibility" xmlns:p14="http://schemas.microsoft.com/office/powerpoint/2010/main" xmlns:p15="http://schemas.microsoft.com/office/powerpoint/2012/main" matchingName="Blank" type="blank">
+<p:sldLayout xmlns:a="http://schemas.openxmlformats.org/drawingml/2006/main" xmlns:r="http://schemas.openxmlformats.org/officeDocument/2006/relationships" xmlns:p="http://schemas.openxmlformats.org/presentationml/2006/main" matchingName="Blank" type="blank">
   <p:cSld name="BLANK">
     <p:spTree>
       <p:nvGrpSpPr>
-        <p:cNvPr id="48" name="Shape 48"/>
+        <p:cNvPr id="1" name="Shape 48"/>
         <p:cNvGrpSpPr/>
         <p:nvPr/>
       </p:nvGrpSpPr>
@@ -2049,9 +2112,11 @@
       <p:sp>
         <p:nvSpPr>
           <p:cNvPr id="49" name="Google Shape;49;p12"/>
-          <p:cNvSpPr txBox="1"/>
+          <p:cNvSpPr txBox="1">
+            <a:spLocks noGrp="1"/>
+          </p:cNvSpPr>
           <p:nvPr>
-            <p:ph idx="12" type="sldNum"/>
+            <p:ph type="sldNum" idx="12"/>
           </p:nvPr>
         </p:nvSpPr>
         <p:spPr>
@@ -2064,7 +2129,7 @@
           </a:prstGeom>
         </p:spPr>
         <p:txBody>
-          <a:bodyPr anchorCtr="0" anchor="ctr" bIns="91425" lIns="91425" spcFirstLastPara="1" rIns="91425" wrap="square" tIns="91425">
+          <a:bodyPr spcFirstLastPara="1" wrap="square" lIns="91425" tIns="91425" rIns="91425" bIns="91425" anchor="ctr" anchorCtr="0">
             <a:noAutofit/>
           </a:bodyPr>
           <a:lstStyle>
@@ -2106,7 +2171,7 @@
             </a:lvl9pPr>
           </a:lstStyle>
           <a:p>
-            <a:pPr indent="0" lvl="0" marL="0" rtl="0" algn="r">
+            <a:pPr marL="0" lvl="0" indent="0" algn="r" rtl="0">
               <a:spcBef>
                 <a:spcPts val="0"/>
               </a:spcBef>
@@ -2132,11 +2197,11 @@
 </file>
 
 <file path=ppt/slideLayouts/slideLayout2.xml><?xml version="1.0" encoding="utf-8"?>
-<p:sldLayout xmlns:a="http://schemas.openxmlformats.org/drawingml/2006/main" xmlns:r="http://schemas.openxmlformats.org/officeDocument/2006/relationships" xmlns:mc="http://schemas.openxmlformats.org/markup-compatibility/2006" xmlns:mv="urn:schemas-microsoft-com:mac:vml" xmlns:p="http://schemas.openxmlformats.org/presentationml/2006/main" xmlns:c="http://schemas.openxmlformats.org/drawingml/2006/chart" xmlns:dgm="http://schemas.openxmlformats.org/drawingml/2006/diagram" xmlns:o="urn:schemas-microsoft-com:office:office" xmlns:v="urn:schemas-microsoft-com:vml" xmlns:pvml="urn:schemas-microsoft-com:office:powerpoint" xmlns:com="http://schemas.openxmlformats.org/drawingml/2006/compatibility" xmlns:p14="http://schemas.microsoft.com/office/powerpoint/2010/main" xmlns:p15="http://schemas.microsoft.com/office/powerpoint/2012/main" matchingName="Section header" type="secHead">
+<p:sldLayout xmlns:a="http://schemas.openxmlformats.org/drawingml/2006/main" xmlns:r="http://schemas.openxmlformats.org/officeDocument/2006/relationships" xmlns:p="http://schemas.openxmlformats.org/presentationml/2006/main" matchingName="Section header" type="secHead">
   <p:cSld name="SECTION_HEADER">
     <p:spTree>
       <p:nvGrpSpPr>
-        <p:cNvPr id="13" name="Shape 13"/>
+        <p:cNvPr id="1" name="Shape 13"/>
         <p:cNvGrpSpPr/>
         <p:nvPr/>
       </p:nvGrpSpPr>
@@ -2151,7 +2216,9 @@
       <p:sp>
         <p:nvSpPr>
           <p:cNvPr id="14" name="Google Shape;14;p3"/>
-          <p:cNvSpPr txBox="1"/>
+          <p:cNvSpPr txBox="1">
+            <a:spLocks noGrp="1"/>
+          </p:cNvSpPr>
           <p:nvPr>
             <p:ph type="title"/>
           </p:nvPr>
@@ -2166,7 +2233,7 @@
           </a:prstGeom>
         </p:spPr>
         <p:txBody>
-          <a:bodyPr anchorCtr="0" anchor="ctr" bIns="91425" lIns="91425" spcFirstLastPara="1" rIns="91425" wrap="square" tIns="91425">
+          <a:bodyPr spcFirstLastPara="1" wrap="square" lIns="91425" tIns="91425" rIns="91425" bIns="91425" anchor="ctr" anchorCtr="0">
             <a:noAutofit/>
           </a:bodyPr>
           <a:lstStyle>
@@ -2270,15 +2337,19 @@
               <a:defRPr sz="3600"/>
             </a:lvl9pPr>
           </a:lstStyle>
-          <a:p/>
+          <a:p>
+            <a:endParaRPr/>
+          </a:p>
         </p:txBody>
       </p:sp>
       <p:sp>
         <p:nvSpPr>
           <p:cNvPr id="15" name="Google Shape;15;p3"/>
-          <p:cNvSpPr txBox="1"/>
+          <p:cNvSpPr txBox="1">
+            <a:spLocks noGrp="1"/>
+          </p:cNvSpPr>
           <p:nvPr>
-            <p:ph idx="12" type="sldNum"/>
+            <p:ph type="sldNum" idx="12"/>
           </p:nvPr>
         </p:nvSpPr>
         <p:spPr>
@@ -2291,7 +2362,7 @@
           </a:prstGeom>
         </p:spPr>
         <p:txBody>
-          <a:bodyPr anchorCtr="0" anchor="ctr" bIns="91425" lIns="91425" spcFirstLastPara="1" rIns="91425" wrap="square" tIns="91425">
+          <a:bodyPr spcFirstLastPara="1" wrap="square" lIns="91425" tIns="91425" rIns="91425" bIns="91425" anchor="ctr" anchorCtr="0">
             <a:noAutofit/>
           </a:bodyPr>
           <a:lstStyle>
@@ -2333,7 +2404,7 @@
             </a:lvl9pPr>
           </a:lstStyle>
           <a:p>
-            <a:pPr indent="0" lvl="0" marL="0" rtl="0" algn="r">
+            <a:pPr marL="0" lvl="0" indent="0" algn="r" rtl="0">
               <a:spcBef>
                 <a:spcPts val="0"/>
               </a:spcBef>
@@ -2359,11 +2430,11 @@
 </file>
 
 <file path=ppt/slideLayouts/slideLayout3.xml><?xml version="1.0" encoding="utf-8"?>
-<p:sldLayout xmlns:a="http://schemas.openxmlformats.org/drawingml/2006/main" xmlns:r="http://schemas.openxmlformats.org/officeDocument/2006/relationships" xmlns:mc="http://schemas.openxmlformats.org/markup-compatibility/2006" xmlns:mv="urn:schemas-microsoft-com:mac:vml" xmlns:p="http://schemas.openxmlformats.org/presentationml/2006/main" xmlns:c="http://schemas.openxmlformats.org/drawingml/2006/chart" xmlns:dgm="http://schemas.openxmlformats.org/drawingml/2006/diagram" xmlns:o="urn:schemas-microsoft-com:office:office" xmlns:v="urn:schemas-microsoft-com:vml" xmlns:pvml="urn:schemas-microsoft-com:office:powerpoint" xmlns:com="http://schemas.openxmlformats.org/drawingml/2006/compatibility" xmlns:p14="http://schemas.microsoft.com/office/powerpoint/2010/main" xmlns:p15="http://schemas.microsoft.com/office/powerpoint/2012/main" matchingName="Title and body" type="tx">
+<p:sldLayout xmlns:a="http://schemas.openxmlformats.org/drawingml/2006/main" xmlns:r="http://schemas.openxmlformats.org/officeDocument/2006/relationships" xmlns:p="http://schemas.openxmlformats.org/presentationml/2006/main" matchingName="Title and body" type="tx">
   <p:cSld name="TITLE_AND_BODY">
     <p:spTree>
       <p:nvGrpSpPr>
-        <p:cNvPr id="16" name="Shape 16"/>
+        <p:cNvPr id="1" name="Shape 16"/>
         <p:cNvGrpSpPr/>
         <p:nvPr/>
       </p:nvGrpSpPr>
@@ -2378,7 +2449,9 @@
       <p:sp>
         <p:nvSpPr>
           <p:cNvPr id="17" name="Google Shape;17;p4"/>
-          <p:cNvSpPr txBox="1"/>
+          <p:cNvSpPr txBox="1">
+            <a:spLocks noGrp="1"/>
+          </p:cNvSpPr>
           <p:nvPr>
             <p:ph type="title"/>
           </p:nvPr>
@@ -2393,7 +2466,7 @@
           </a:prstGeom>
         </p:spPr>
         <p:txBody>
-          <a:bodyPr anchorCtr="0" anchor="t" bIns="91425" lIns="91425" spcFirstLastPara="1" rIns="91425" wrap="square" tIns="91425">
+          <a:bodyPr spcFirstLastPara="1" wrap="square" lIns="91425" tIns="91425" rIns="91425" bIns="91425" anchor="t" anchorCtr="0">
             <a:noAutofit/>
           </a:bodyPr>
           <a:lstStyle>
@@ -2497,15 +2570,19 @@
               <a:defRPr/>
             </a:lvl9pPr>
           </a:lstStyle>
-          <a:p/>
+          <a:p>
+            <a:endParaRPr/>
+          </a:p>
         </p:txBody>
       </p:sp>
       <p:sp>
         <p:nvSpPr>
           <p:cNvPr id="18" name="Google Shape;18;p4"/>
-          <p:cNvSpPr txBox="1"/>
+          <p:cNvSpPr txBox="1">
+            <a:spLocks noGrp="1"/>
+          </p:cNvSpPr>
           <p:nvPr>
-            <p:ph idx="1" type="body"/>
+            <p:ph type="body" idx="1"/>
           </p:nvPr>
         </p:nvSpPr>
         <p:spPr>
@@ -2518,11 +2595,11 @@
           </a:prstGeom>
         </p:spPr>
         <p:txBody>
-          <a:bodyPr anchorCtr="0" anchor="t" bIns="91425" lIns="91425" spcFirstLastPara="1" rIns="91425" wrap="square" tIns="91425">
+          <a:bodyPr spcFirstLastPara="1" wrap="square" lIns="91425" tIns="91425" rIns="91425" bIns="91425" anchor="t" anchorCtr="0">
             <a:noAutofit/>
           </a:bodyPr>
           <a:lstStyle>
-            <a:lvl1pPr indent="-342900" lvl="0" marL="457200">
+            <a:lvl1pPr marL="457200" lvl="0" indent="-342900">
               <a:spcBef>
                 <a:spcPts val="0"/>
               </a:spcBef>
@@ -2533,7 +2610,7 @@
               <a:buChar char="●"/>
               <a:defRPr/>
             </a:lvl1pPr>
-            <a:lvl2pPr indent="-317500" lvl="1" marL="914400">
+            <a:lvl2pPr marL="914400" lvl="1" indent="-317500">
               <a:spcBef>
                 <a:spcPts val="1600"/>
               </a:spcBef>
@@ -2544,7 +2621,7 @@
               <a:buChar char="○"/>
               <a:defRPr/>
             </a:lvl2pPr>
-            <a:lvl3pPr indent="-317500" lvl="2" marL="1371600">
+            <a:lvl3pPr marL="1371600" lvl="2" indent="-317500">
               <a:spcBef>
                 <a:spcPts val="1600"/>
               </a:spcBef>
@@ -2555,7 +2632,7 @@
               <a:buChar char="■"/>
               <a:defRPr/>
             </a:lvl3pPr>
-            <a:lvl4pPr indent="-317500" lvl="3" marL="1828800">
+            <a:lvl4pPr marL="1828800" lvl="3" indent="-317500">
               <a:spcBef>
                 <a:spcPts val="1600"/>
               </a:spcBef>
@@ -2566,7 +2643,7 @@
               <a:buChar char="●"/>
               <a:defRPr/>
             </a:lvl4pPr>
-            <a:lvl5pPr indent="-317500" lvl="4" marL="2286000">
+            <a:lvl5pPr marL="2286000" lvl="4" indent="-317500">
               <a:spcBef>
                 <a:spcPts val="1600"/>
               </a:spcBef>
@@ -2577,7 +2654,7 @@
               <a:buChar char="○"/>
               <a:defRPr/>
             </a:lvl5pPr>
-            <a:lvl6pPr indent="-317500" lvl="5" marL="2743200">
+            <a:lvl6pPr marL="2743200" lvl="5" indent="-317500">
               <a:spcBef>
                 <a:spcPts val="1600"/>
               </a:spcBef>
@@ -2588,7 +2665,7 @@
               <a:buChar char="■"/>
               <a:defRPr/>
             </a:lvl6pPr>
-            <a:lvl7pPr indent="-317500" lvl="6" marL="3200400">
+            <a:lvl7pPr marL="3200400" lvl="6" indent="-317500">
               <a:spcBef>
                 <a:spcPts val="1600"/>
               </a:spcBef>
@@ -2599,7 +2676,7 @@
               <a:buChar char="●"/>
               <a:defRPr/>
             </a:lvl7pPr>
-            <a:lvl8pPr indent="-317500" lvl="7" marL="3657600">
+            <a:lvl8pPr marL="3657600" lvl="7" indent="-317500">
               <a:spcBef>
                 <a:spcPts val="1600"/>
               </a:spcBef>
@@ -2610,7 +2687,7 @@
               <a:buChar char="○"/>
               <a:defRPr/>
             </a:lvl8pPr>
-            <a:lvl9pPr indent="-317500" lvl="8" marL="4114800">
+            <a:lvl9pPr marL="4114800" lvl="8" indent="-317500">
               <a:spcBef>
                 <a:spcPts val="1600"/>
               </a:spcBef>
@@ -2622,15 +2699,19 @@
               <a:defRPr/>
             </a:lvl9pPr>
           </a:lstStyle>
-          <a:p/>
+          <a:p>
+            <a:endParaRPr/>
+          </a:p>
         </p:txBody>
       </p:sp>
       <p:sp>
         <p:nvSpPr>
           <p:cNvPr id="19" name="Google Shape;19;p4"/>
-          <p:cNvSpPr txBox="1"/>
+          <p:cNvSpPr txBox="1">
+            <a:spLocks noGrp="1"/>
+          </p:cNvSpPr>
           <p:nvPr>
-            <p:ph idx="12" type="sldNum"/>
+            <p:ph type="sldNum" idx="12"/>
           </p:nvPr>
         </p:nvSpPr>
         <p:spPr>
@@ -2643,7 +2724,7 @@
           </a:prstGeom>
         </p:spPr>
         <p:txBody>
-          <a:bodyPr anchorCtr="0" anchor="ctr" bIns="91425" lIns="91425" spcFirstLastPara="1" rIns="91425" wrap="square" tIns="91425">
+          <a:bodyPr spcFirstLastPara="1" wrap="square" lIns="91425" tIns="91425" rIns="91425" bIns="91425" anchor="ctr" anchorCtr="0">
             <a:noAutofit/>
           </a:bodyPr>
           <a:lstStyle>
@@ -2685,7 +2766,7 @@
             </a:lvl9pPr>
           </a:lstStyle>
           <a:p>
-            <a:pPr indent="0" lvl="0" marL="0" rtl="0" algn="r">
+            <a:pPr marL="0" lvl="0" indent="0" algn="r" rtl="0">
               <a:spcBef>
                 <a:spcPts val="0"/>
               </a:spcBef>
@@ -2711,11 +2792,11 @@
 </file>
 
 <file path=ppt/slideLayouts/slideLayout4.xml><?xml version="1.0" encoding="utf-8"?>
-<p:sldLayout xmlns:a="http://schemas.openxmlformats.org/drawingml/2006/main" xmlns:r="http://schemas.openxmlformats.org/officeDocument/2006/relationships" xmlns:mc="http://schemas.openxmlformats.org/markup-compatibility/2006" xmlns:mv="urn:schemas-microsoft-com:mac:vml" xmlns:p="http://schemas.openxmlformats.org/presentationml/2006/main" xmlns:c="http://schemas.openxmlformats.org/drawingml/2006/chart" xmlns:dgm="http://schemas.openxmlformats.org/drawingml/2006/diagram" xmlns:o="urn:schemas-microsoft-com:office:office" xmlns:v="urn:schemas-microsoft-com:vml" xmlns:pvml="urn:schemas-microsoft-com:office:powerpoint" xmlns:com="http://schemas.openxmlformats.org/drawingml/2006/compatibility" xmlns:p14="http://schemas.microsoft.com/office/powerpoint/2010/main" xmlns:p15="http://schemas.microsoft.com/office/powerpoint/2012/main" matchingName="Title and two columns" type="twoColTx">
+<p:sldLayout xmlns:a="http://schemas.openxmlformats.org/drawingml/2006/main" xmlns:r="http://schemas.openxmlformats.org/officeDocument/2006/relationships" xmlns:p="http://schemas.openxmlformats.org/presentationml/2006/main" matchingName="Title and two columns" type="twoColTx">
   <p:cSld name="TITLE_AND_TWO_COLUMNS">
     <p:spTree>
       <p:nvGrpSpPr>
-        <p:cNvPr id="20" name="Shape 20"/>
+        <p:cNvPr id="1" name="Shape 20"/>
         <p:cNvGrpSpPr/>
         <p:nvPr/>
       </p:nvGrpSpPr>
@@ -2730,7 +2811,9 @@
       <p:sp>
         <p:nvSpPr>
           <p:cNvPr id="21" name="Google Shape;21;p5"/>
-          <p:cNvSpPr txBox="1"/>
+          <p:cNvSpPr txBox="1">
+            <a:spLocks noGrp="1"/>
+          </p:cNvSpPr>
           <p:nvPr>
             <p:ph type="title"/>
           </p:nvPr>
@@ -2745,7 +2828,7 @@
           </a:prstGeom>
         </p:spPr>
         <p:txBody>
-          <a:bodyPr anchorCtr="0" anchor="t" bIns="91425" lIns="91425" spcFirstLastPara="1" rIns="91425" wrap="square" tIns="91425">
+          <a:bodyPr spcFirstLastPara="1" wrap="square" lIns="91425" tIns="91425" rIns="91425" bIns="91425" anchor="t" anchorCtr="0">
             <a:noAutofit/>
           </a:bodyPr>
           <a:lstStyle>
@@ -2849,15 +2932,19 @@
               <a:defRPr/>
             </a:lvl9pPr>
           </a:lstStyle>
-          <a:p/>
+          <a:p>
+            <a:endParaRPr/>
+          </a:p>
         </p:txBody>
       </p:sp>
       <p:sp>
         <p:nvSpPr>
           <p:cNvPr id="22" name="Google Shape;22;p5"/>
-          <p:cNvSpPr txBox="1"/>
+          <p:cNvSpPr txBox="1">
+            <a:spLocks noGrp="1"/>
+          </p:cNvSpPr>
           <p:nvPr>
-            <p:ph idx="1" type="body"/>
+            <p:ph type="body" idx="1"/>
           </p:nvPr>
         </p:nvSpPr>
         <p:spPr>
@@ -2870,11 +2957,11 @@
           </a:prstGeom>
         </p:spPr>
         <p:txBody>
-          <a:bodyPr anchorCtr="0" anchor="t" bIns="91425" lIns="91425" spcFirstLastPara="1" rIns="91425" wrap="square" tIns="91425">
+          <a:bodyPr spcFirstLastPara="1" wrap="square" lIns="91425" tIns="91425" rIns="91425" bIns="91425" anchor="t" anchorCtr="0">
             <a:noAutofit/>
           </a:bodyPr>
           <a:lstStyle>
-            <a:lvl1pPr indent="-317500" lvl="0" marL="457200">
+            <a:lvl1pPr marL="457200" lvl="0" indent="-317500">
               <a:spcBef>
                 <a:spcPts val="0"/>
               </a:spcBef>
@@ -2885,7 +2972,7 @@
               <a:buChar char="●"/>
               <a:defRPr sz="1400"/>
             </a:lvl1pPr>
-            <a:lvl2pPr indent="-304800" lvl="1" marL="914400">
+            <a:lvl2pPr marL="914400" lvl="1" indent="-304800">
               <a:spcBef>
                 <a:spcPts val="1600"/>
               </a:spcBef>
@@ -2896,7 +2983,7 @@
               <a:buChar char="○"/>
               <a:defRPr sz="1200"/>
             </a:lvl2pPr>
-            <a:lvl3pPr indent="-304800" lvl="2" marL="1371600">
+            <a:lvl3pPr marL="1371600" lvl="2" indent="-304800">
               <a:spcBef>
                 <a:spcPts val="1600"/>
               </a:spcBef>
@@ -2907,7 +2994,7 @@
               <a:buChar char="■"/>
               <a:defRPr sz="1200"/>
             </a:lvl3pPr>
-            <a:lvl4pPr indent="-304800" lvl="3" marL="1828800">
+            <a:lvl4pPr marL="1828800" lvl="3" indent="-304800">
               <a:spcBef>
                 <a:spcPts val="1600"/>
               </a:spcBef>
@@ -2918,7 +3005,7 @@
               <a:buChar char="●"/>
               <a:defRPr sz="1200"/>
             </a:lvl4pPr>
-            <a:lvl5pPr indent="-304800" lvl="4" marL="2286000">
+            <a:lvl5pPr marL="2286000" lvl="4" indent="-304800">
               <a:spcBef>
                 <a:spcPts val="1600"/>
               </a:spcBef>
@@ -2929,7 +3016,7 @@
               <a:buChar char="○"/>
               <a:defRPr sz="1200"/>
             </a:lvl5pPr>
-            <a:lvl6pPr indent="-304800" lvl="5" marL="2743200">
+            <a:lvl6pPr marL="2743200" lvl="5" indent="-304800">
               <a:spcBef>
                 <a:spcPts val="1600"/>
               </a:spcBef>
@@ -2940,7 +3027,7 @@
               <a:buChar char="■"/>
               <a:defRPr sz="1200"/>
             </a:lvl6pPr>
-            <a:lvl7pPr indent="-304800" lvl="6" marL="3200400">
+            <a:lvl7pPr marL="3200400" lvl="6" indent="-304800">
               <a:spcBef>
                 <a:spcPts val="1600"/>
               </a:spcBef>
@@ -2951,7 +3038,7 @@
               <a:buChar char="●"/>
               <a:defRPr sz="1200"/>
             </a:lvl7pPr>
-            <a:lvl8pPr indent="-304800" lvl="7" marL="3657600">
+            <a:lvl8pPr marL="3657600" lvl="7" indent="-304800">
               <a:spcBef>
                 <a:spcPts val="1600"/>
               </a:spcBef>
@@ -2962,7 +3049,7 @@
               <a:buChar char="○"/>
               <a:defRPr sz="1200"/>
             </a:lvl8pPr>
-            <a:lvl9pPr indent="-304800" lvl="8" marL="4114800">
+            <a:lvl9pPr marL="4114800" lvl="8" indent="-304800">
               <a:spcBef>
                 <a:spcPts val="1600"/>
               </a:spcBef>
@@ -2974,15 +3061,19 @@
               <a:defRPr sz="1200"/>
             </a:lvl9pPr>
           </a:lstStyle>
-          <a:p/>
+          <a:p>
+            <a:endParaRPr/>
+          </a:p>
         </p:txBody>
       </p:sp>
       <p:sp>
         <p:nvSpPr>
           <p:cNvPr id="23" name="Google Shape;23;p5"/>
-          <p:cNvSpPr txBox="1"/>
+          <p:cNvSpPr txBox="1">
+            <a:spLocks noGrp="1"/>
+          </p:cNvSpPr>
           <p:nvPr>
-            <p:ph idx="2" type="body"/>
+            <p:ph type="body" idx="2"/>
           </p:nvPr>
         </p:nvSpPr>
         <p:spPr>
@@ -2995,11 +3086,11 @@
           </a:prstGeom>
         </p:spPr>
         <p:txBody>
-          <a:bodyPr anchorCtr="0" anchor="t" bIns="91425" lIns="91425" spcFirstLastPara="1" rIns="91425" wrap="square" tIns="91425">
+          <a:bodyPr spcFirstLastPara="1" wrap="square" lIns="91425" tIns="91425" rIns="91425" bIns="91425" anchor="t" anchorCtr="0">
             <a:noAutofit/>
           </a:bodyPr>
           <a:lstStyle>
-            <a:lvl1pPr indent="-317500" lvl="0" marL="457200">
+            <a:lvl1pPr marL="457200" lvl="0" indent="-317500">
               <a:spcBef>
                 <a:spcPts val="0"/>
               </a:spcBef>
@@ -3010,7 +3101,7 @@
               <a:buChar char="●"/>
               <a:defRPr sz="1400"/>
             </a:lvl1pPr>
-            <a:lvl2pPr indent="-304800" lvl="1" marL="914400">
+            <a:lvl2pPr marL="914400" lvl="1" indent="-304800">
               <a:spcBef>
                 <a:spcPts val="1600"/>
               </a:spcBef>
@@ -3021,7 +3112,7 @@
               <a:buChar char="○"/>
               <a:defRPr sz="1200"/>
             </a:lvl2pPr>
-            <a:lvl3pPr indent="-304800" lvl="2" marL="1371600">
+            <a:lvl3pPr marL="1371600" lvl="2" indent="-304800">
               <a:spcBef>
                 <a:spcPts val="1600"/>
               </a:spcBef>
@@ -3032,7 +3123,7 @@
               <a:buChar char="■"/>
               <a:defRPr sz="1200"/>
             </a:lvl3pPr>
-            <a:lvl4pPr indent="-304800" lvl="3" marL="1828800">
+            <a:lvl4pPr marL="1828800" lvl="3" indent="-304800">
               <a:spcBef>
                 <a:spcPts val="1600"/>
               </a:spcBef>
@@ -3043,7 +3134,7 @@
               <a:buChar char="●"/>
               <a:defRPr sz="1200"/>
             </a:lvl4pPr>
-            <a:lvl5pPr indent="-304800" lvl="4" marL="2286000">
+            <a:lvl5pPr marL="2286000" lvl="4" indent="-304800">
               <a:spcBef>
                 <a:spcPts val="1600"/>
               </a:spcBef>
@@ -3054,7 +3145,7 @@
               <a:buChar char="○"/>
               <a:defRPr sz="1200"/>
             </a:lvl5pPr>
-            <a:lvl6pPr indent="-304800" lvl="5" marL="2743200">
+            <a:lvl6pPr marL="2743200" lvl="5" indent="-304800">
               <a:spcBef>
                 <a:spcPts val="1600"/>
               </a:spcBef>
@@ -3065,7 +3156,7 @@
               <a:buChar char="■"/>
               <a:defRPr sz="1200"/>
             </a:lvl6pPr>
-            <a:lvl7pPr indent="-304800" lvl="6" marL="3200400">
+            <a:lvl7pPr marL="3200400" lvl="6" indent="-304800">
               <a:spcBef>
                 <a:spcPts val="1600"/>
               </a:spcBef>
@@ -3076,7 +3167,7 @@
               <a:buChar char="●"/>
               <a:defRPr sz="1200"/>
             </a:lvl7pPr>
-            <a:lvl8pPr indent="-304800" lvl="7" marL="3657600">
+            <a:lvl8pPr marL="3657600" lvl="7" indent="-304800">
               <a:spcBef>
                 <a:spcPts val="1600"/>
               </a:spcBef>
@@ -3087,7 +3178,7 @@
               <a:buChar char="○"/>
               <a:defRPr sz="1200"/>
             </a:lvl8pPr>
-            <a:lvl9pPr indent="-304800" lvl="8" marL="4114800">
+            <a:lvl9pPr marL="4114800" lvl="8" indent="-304800">
               <a:spcBef>
                 <a:spcPts val="1600"/>
               </a:spcBef>
@@ -3099,15 +3190,19 @@
               <a:defRPr sz="1200"/>
             </a:lvl9pPr>
           </a:lstStyle>
-          <a:p/>
+          <a:p>
+            <a:endParaRPr/>
+          </a:p>
         </p:txBody>
       </p:sp>
       <p:sp>
         <p:nvSpPr>
           <p:cNvPr id="24" name="Google Shape;24;p5"/>
-          <p:cNvSpPr txBox="1"/>
+          <p:cNvSpPr txBox="1">
+            <a:spLocks noGrp="1"/>
+          </p:cNvSpPr>
           <p:nvPr>
-            <p:ph idx="12" type="sldNum"/>
+            <p:ph type="sldNum" idx="12"/>
           </p:nvPr>
         </p:nvSpPr>
         <p:spPr>
@@ -3120,7 +3215,7 @@
           </a:prstGeom>
         </p:spPr>
         <p:txBody>
-          <a:bodyPr anchorCtr="0" anchor="ctr" bIns="91425" lIns="91425" spcFirstLastPara="1" rIns="91425" wrap="square" tIns="91425">
+          <a:bodyPr spcFirstLastPara="1" wrap="square" lIns="91425" tIns="91425" rIns="91425" bIns="91425" anchor="ctr" anchorCtr="0">
             <a:noAutofit/>
           </a:bodyPr>
           <a:lstStyle>
@@ -3162,7 +3257,7 @@
             </a:lvl9pPr>
           </a:lstStyle>
           <a:p>
-            <a:pPr indent="0" lvl="0" marL="0" rtl="0" algn="r">
+            <a:pPr marL="0" lvl="0" indent="0" algn="r" rtl="0">
               <a:spcBef>
                 <a:spcPts val="0"/>
               </a:spcBef>
@@ -3188,11 +3283,11 @@
 </file>
 
 <file path=ppt/slideLayouts/slideLayout5.xml><?xml version="1.0" encoding="utf-8"?>
-<p:sldLayout xmlns:a="http://schemas.openxmlformats.org/drawingml/2006/main" xmlns:r="http://schemas.openxmlformats.org/officeDocument/2006/relationships" xmlns:mc="http://schemas.openxmlformats.org/markup-compatibility/2006" xmlns:mv="urn:schemas-microsoft-com:mac:vml" xmlns:p="http://schemas.openxmlformats.org/presentationml/2006/main" xmlns:c="http://schemas.openxmlformats.org/drawingml/2006/chart" xmlns:dgm="http://schemas.openxmlformats.org/drawingml/2006/diagram" xmlns:o="urn:schemas-microsoft-com:office:office" xmlns:v="urn:schemas-microsoft-com:vml" xmlns:pvml="urn:schemas-microsoft-com:office:powerpoint" xmlns:com="http://schemas.openxmlformats.org/drawingml/2006/compatibility" xmlns:p14="http://schemas.microsoft.com/office/powerpoint/2010/main" xmlns:p15="http://schemas.microsoft.com/office/powerpoint/2012/main" matchingName="Title only" type="titleOnly">
+<p:sldLayout xmlns:a="http://schemas.openxmlformats.org/drawingml/2006/main" xmlns:r="http://schemas.openxmlformats.org/officeDocument/2006/relationships" xmlns:p="http://schemas.openxmlformats.org/presentationml/2006/main" matchingName="Title only" type="titleOnly">
   <p:cSld name="TITLE_ONLY">
     <p:spTree>
       <p:nvGrpSpPr>
-        <p:cNvPr id="25" name="Shape 25"/>
+        <p:cNvPr id="1" name="Shape 25"/>
         <p:cNvGrpSpPr/>
         <p:nvPr/>
       </p:nvGrpSpPr>
@@ -3207,7 +3302,9 @@
       <p:sp>
         <p:nvSpPr>
           <p:cNvPr id="26" name="Google Shape;26;p6"/>
-          <p:cNvSpPr txBox="1"/>
+          <p:cNvSpPr txBox="1">
+            <a:spLocks noGrp="1"/>
+          </p:cNvSpPr>
           <p:nvPr>
             <p:ph type="title"/>
           </p:nvPr>
@@ -3222,7 +3319,7 @@
           </a:prstGeom>
         </p:spPr>
         <p:txBody>
-          <a:bodyPr anchorCtr="0" anchor="t" bIns="91425" lIns="91425" spcFirstLastPara="1" rIns="91425" wrap="square" tIns="91425">
+          <a:bodyPr spcFirstLastPara="1" wrap="square" lIns="91425" tIns="91425" rIns="91425" bIns="91425" anchor="t" anchorCtr="0">
             <a:noAutofit/>
           </a:bodyPr>
           <a:lstStyle>
@@ -3326,15 +3423,19 @@
               <a:defRPr/>
             </a:lvl9pPr>
           </a:lstStyle>
-          <a:p/>
+          <a:p>
+            <a:endParaRPr/>
+          </a:p>
         </p:txBody>
       </p:sp>
       <p:sp>
         <p:nvSpPr>
           <p:cNvPr id="27" name="Google Shape;27;p6"/>
-          <p:cNvSpPr txBox="1"/>
+          <p:cNvSpPr txBox="1">
+            <a:spLocks noGrp="1"/>
+          </p:cNvSpPr>
           <p:nvPr>
-            <p:ph idx="12" type="sldNum"/>
+            <p:ph type="sldNum" idx="12"/>
           </p:nvPr>
         </p:nvSpPr>
         <p:spPr>
@@ -3347,7 +3448,7 @@
           </a:prstGeom>
         </p:spPr>
         <p:txBody>
-          <a:bodyPr anchorCtr="0" anchor="ctr" bIns="91425" lIns="91425" spcFirstLastPara="1" rIns="91425" wrap="square" tIns="91425">
+          <a:bodyPr spcFirstLastPara="1" wrap="square" lIns="91425" tIns="91425" rIns="91425" bIns="91425" anchor="ctr" anchorCtr="0">
             <a:noAutofit/>
           </a:bodyPr>
           <a:lstStyle>
@@ -3389,7 +3490,7 @@
             </a:lvl9pPr>
           </a:lstStyle>
           <a:p>
-            <a:pPr indent="0" lvl="0" marL="0" rtl="0" algn="r">
+            <a:pPr marL="0" lvl="0" indent="0" algn="r" rtl="0">
               <a:spcBef>
                 <a:spcPts val="0"/>
               </a:spcBef>
@@ -3415,11 +3516,11 @@
 </file>
 
 <file path=ppt/slideLayouts/slideLayout6.xml><?xml version="1.0" encoding="utf-8"?>
-<p:sldLayout xmlns:a="http://schemas.openxmlformats.org/drawingml/2006/main" xmlns:r="http://schemas.openxmlformats.org/officeDocument/2006/relationships" xmlns:mc="http://schemas.openxmlformats.org/markup-compatibility/2006" xmlns:mv="urn:schemas-microsoft-com:mac:vml" xmlns:p="http://schemas.openxmlformats.org/presentationml/2006/main" xmlns:c="http://schemas.openxmlformats.org/drawingml/2006/chart" xmlns:dgm="http://schemas.openxmlformats.org/drawingml/2006/diagram" xmlns:o="urn:schemas-microsoft-com:office:office" xmlns:v="urn:schemas-microsoft-com:vml" xmlns:pvml="urn:schemas-microsoft-com:office:powerpoint" xmlns:com="http://schemas.openxmlformats.org/drawingml/2006/compatibility" xmlns:p14="http://schemas.microsoft.com/office/powerpoint/2010/main" xmlns:p15="http://schemas.microsoft.com/office/powerpoint/2012/main" matchingName="One column text">
+<p:sldLayout xmlns:a="http://schemas.openxmlformats.org/drawingml/2006/main" xmlns:r="http://schemas.openxmlformats.org/officeDocument/2006/relationships" xmlns:p="http://schemas.openxmlformats.org/presentationml/2006/main" matchingName="One column text">
   <p:cSld name="ONE_COLUMN_TEXT">
     <p:spTree>
       <p:nvGrpSpPr>
-        <p:cNvPr id="28" name="Shape 28"/>
+        <p:cNvPr id="1" name="Shape 28"/>
         <p:cNvGrpSpPr/>
         <p:nvPr/>
       </p:nvGrpSpPr>
@@ -3434,7 +3535,9 @@
       <p:sp>
         <p:nvSpPr>
           <p:cNvPr id="29" name="Google Shape;29;p7"/>
-          <p:cNvSpPr txBox="1"/>
+          <p:cNvSpPr txBox="1">
+            <a:spLocks noGrp="1"/>
+          </p:cNvSpPr>
           <p:nvPr>
             <p:ph type="title"/>
           </p:nvPr>
@@ -3449,7 +3552,7 @@
           </a:prstGeom>
         </p:spPr>
         <p:txBody>
-          <a:bodyPr anchorCtr="0" anchor="b" bIns="91425" lIns="91425" spcFirstLastPara="1" rIns="91425" wrap="square" tIns="91425">
+          <a:bodyPr spcFirstLastPara="1" wrap="square" lIns="91425" tIns="91425" rIns="91425" bIns="91425" anchor="b" anchorCtr="0">
             <a:noAutofit/>
           </a:bodyPr>
           <a:lstStyle>
@@ -3553,15 +3656,19 @@
               <a:defRPr sz="2400"/>
             </a:lvl9pPr>
           </a:lstStyle>
-          <a:p/>
+          <a:p>
+            <a:endParaRPr/>
+          </a:p>
         </p:txBody>
       </p:sp>
       <p:sp>
         <p:nvSpPr>
           <p:cNvPr id="30" name="Google Shape;30;p7"/>
-          <p:cNvSpPr txBox="1"/>
+          <p:cNvSpPr txBox="1">
+            <a:spLocks noGrp="1"/>
+          </p:cNvSpPr>
           <p:nvPr>
-            <p:ph idx="1" type="body"/>
+            <p:ph type="body" idx="1"/>
           </p:nvPr>
         </p:nvSpPr>
         <p:spPr>
@@ -3574,11 +3681,11 @@
           </a:prstGeom>
         </p:spPr>
         <p:txBody>
-          <a:bodyPr anchorCtr="0" anchor="t" bIns="91425" lIns="91425" spcFirstLastPara="1" rIns="91425" wrap="square" tIns="91425">
+          <a:bodyPr spcFirstLastPara="1" wrap="square" lIns="91425" tIns="91425" rIns="91425" bIns="91425" anchor="t" anchorCtr="0">
             <a:noAutofit/>
           </a:bodyPr>
           <a:lstStyle>
-            <a:lvl1pPr indent="-304800" lvl="0" marL="457200">
+            <a:lvl1pPr marL="457200" lvl="0" indent="-304800">
               <a:spcBef>
                 <a:spcPts val="0"/>
               </a:spcBef>
@@ -3589,7 +3696,7 @@
               <a:buChar char="●"/>
               <a:defRPr sz="1200"/>
             </a:lvl1pPr>
-            <a:lvl2pPr indent="-304800" lvl="1" marL="914400">
+            <a:lvl2pPr marL="914400" lvl="1" indent="-304800">
               <a:spcBef>
                 <a:spcPts val="1600"/>
               </a:spcBef>
@@ -3600,7 +3707,7 @@
               <a:buChar char="○"/>
               <a:defRPr sz="1200"/>
             </a:lvl2pPr>
-            <a:lvl3pPr indent="-304800" lvl="2" marL="1371600">
+            <a:lvl3pPr marL="1371600" lvl="2" indent="-304800">
               <a:spcBef>
                 <a:spcPts val="1600"/>
               </a:spcBef>
@@ -3611,7 +3718,7 @@
               <a:buChar char="■"/>
               <a:defRPr sz="1200"/>
             </a:lvl3pPr>
-            <a:lvl4pPr indent="-304800" lvl="3" marL="1828800">
+            <a:lvl4pPr marL="1828800" lvl="3" indent="-304800">
               <a:spcBef>
                 <a:spcPts val="1600"/>
               </a:spcBef>
@@ -3622,7 +3729,7 @@
               <a:buChar char="●"/>
               <a:defRPr sz="1200"/>
             </a:lvl4pPr>
-            <a:lvl5pPr indent="-304800" lvl="4" marL="2286000">
+            <a:lvl5pPr marL="2286000" lvl="4" indent="-304800">
               <a:spcBef>
                 <a:spcPts val="1600"/>
               </a:spcBef>
@@ -3633,7 +3740,7 @@
               <a:buChar char="○"/>
               <a:defRPr sz="1200"/>
             </a:lvl5pPr>
-            <a:lvl6pPr indent="-304800" lvl="5" marL="2743200">
+            <a:lvl6pPr marL="2743200" lvl="5" indent="-304800">
               <a:spcBef>
                 <a:spcPts val="1600"/>
               </a:spcBef>
@@ -3644,7 +3751,7 @@
               <a:buChar char="■"/>
               <a:defRPr sz="1200"/>
             </a:lvl6pPr>
-            <a:lvl7pPr indent="-304800" lvl="6" marL="3200400">
+            <a:lvl7pPr marL="3200400" lvl="6" indent="-304800">
               <a:spcBef>
                 <a:spcPts val="1600"/>
               </a:spcBef>
@@ -3655,7 +3762,7 @@
               <a:buChar char="●"/>
               <a:defRPr sz="1200"/>
             </a:lvl7pPr>
-            <a:lvl8pPr indent="-304800" lvl="7" marL="3657600">
+            <a:lvl8pPr marL="3657600" lvl="7" indent="-304800">
               <a:spcBef>
                 <a:spcPts val="1600"/>
               </a:spcBef>
@@ -3666,7 +3773,7 @@
               <a:buChar char="○"/>
               <a:defRPr sz="1200"/>
             </a:lvl8pPr>
-            <a:lvl9pPr indent="-304800" lvl="8" marL="4114800">
+            <a:lvl9pPr marL="4114800" lvl="8" indent="-304800">
               <a:spcBef>
                 <a:spcPts val="1600"/>
               </a:spcBef>
@@ -3678,15 +3785,19 @@
               <a:defRPr sz="1200"/>
             </a:lvl9pPr>
           </a:lstStyle>
-          <a:p/>
+          <a:p>
+            <a:endParaRPr/>
+          </a:p>
         </p:txBody>
       </p:sp>
       <p:sp>
         <p:nvSpPr>
           <p:cNvPr id="31" name="Google Shape;31;p7"/>
-          <p:cNvSpPr txBox="1"/>
+          <p:cNvSpPr txBox="1">
+            <a:spLocks noGrp="1"/>
+          </p:cNvSpPr>
           <p:nvPr>
-            <p:ph idx="12" type="sldNum"/>
+            <p:ph type="sldNum" idx="12"/>
           </p:nvPr>
         </p:nvSpPr>
         <p:spPr>
@@ -3699,7 +3810,7 @@
           </a:prstGeom>
         </p:spPr>
         <p:txBody>
-          <a:bodyPr anchorCtr="0" anchor="ctr" bIns="91425" lIns="91425" spcFirstLastPara="1" rIns="91425" wrap="square" tIns="91425">
+          <a:bodyPr spcFirstLastPara="1" wrap="square" lIns="91425" tIns="91425" rIns="91425" bIns="91425" anchor="ctr" anchorCtr="0">
             <a:noAutofit/>
           </a:bodyPr>
           <a:lstStyle>
@@ -3741,7 +3852,7 @@
             </a:lvl9pPr>
           </a:lstStyle>
           <a:p>
-            <a:pPr indent="0" lvl="0" marL="0" rtl="0" algn="r">
+            <a:pPr marL="0" lvl="0" indent="0" algn="r" rtl="0">
               <a:spcBef>
                 <a:spcPts val="0"/>
               </a:spcBef>
@@ -3767,11 +3878,11 @@
 </file>
 
 <file path=ppt/slideLayouts/slideLayout7.xml><?xml version="1.0" encoding="utf-8"?>
-<p:sldLayout xmlns:a="http://schemas.openxmlformats.org/drawingml/2006/main" xmlns:r="http://schemas.openxmlformats.org/officeDocument/2006/relationships" xmlns:mc="http://schemas.openxmlformats.org/markup-compatibility/2006" xmlns:mv="urn:schemas-microsoft-com:mac:vml" xmlns:p="http://schemas.openxmlformats.org/presentationml/2006/main" xmlns:c="http://schemas.openxmlformats.org/drawingml/2006/chart" xmlns:dgm="http://schemas.openxmlformats.org/drawingml/2006/diagram" xmlns:o="urn:schemas-microsoft-com:office:office" xmlns:v="urn:schemas-microsoft-com:vml" xmlns:pvml="urn:schemas-microsoft-com:office:powerpoint" xmlns:com="http://schemas.openxmlformats.org/drawingml/2006/compatibility" xmlns:p14="http://schemas.microsoft.com/office/powerpoint/2010/main" xmlns:p15="http://schemas.microsoft.com/office/powerpoint/2012/main" matchingName="Main point">
+<p:sldLayout xmlns:a="http://schemas.openxmlformats.org/drawingml/2006/main" xmlns:r="http://schemas.openxmlformats.org/officeDocument/2006/relationships" xmlns:p="http://schemas.openxmlformats.org/presentationml/2006/main" matchingName="Main point">
   <p:cSld name="MAIN_POINT">
     <p:spTree>
       <p:nvGrpSpPr>
-        <p:cNvPr id="32" name="Shape 32"/>
+        <p:cNvPr id="1" name="Shape 32"/>
         <p:cNvGrpSpPr/>
         <p:nvPr/>
       </p:nvGrpSpPr>
@@ -3786,7 +3897,9 @@
       <p:sp>
         <p:nvSpPr>
           <p:cNvPr id="33" name="Google Shape;33;p8"/>
-          <p:cNvSpPr txBox="1"/>
+          <p:cNvSpPr txBox="1">
+            <a:spLocks noGrp="1"/>
+          </p:cNvSpPr>
           <p:nvPr>
             <p:ph type="title"/>
           </p:nvPr>
@@ -3801,7 +3914,7 @@
           </a:prstGeom>
         </p:spPr>
         <p:txBody>
-          <a:bodyPr anchorCtr="0" anchor="ctr" bIns="91425" lIns="91425" spcFirstLastPara="1" rIns="91425" wrap="square" tIns="91425">
+          <a:bodyPr spcFirstLastPara="1" wrap="square" lIns="91425" tIns="91425" rIns="91425" bIns="91425" anchor="ctr" anchorCtr="0">
             <a:noAutofit/>
           </a:bodyPr>
           <a:lstStyle>
@@ -3905,15 +4018,19 @@
               <a:defRPr sz="4800"/>
             </a:lvl9pPr>
           </a:lstStyle>
-          <a:p/>
+          <a:p>
+            <a:endParaRPr/>
+          </a:p>
         </p:txBody>
       </p:sp>
       <p:sp>
         <p:nvSpPr>
           <p:cNvPr id="34" name="Google Shape;34;p8"/>
-          <p:cNvSpPr txBox="1"/>
+          <p:cNvSpPr txBox="1">
+            <a:spLocks noGrp="1"/>
+          </p:cNvSpPr>
           <p:nvPr>
-            <p:ph idx="12" type="sldNum"/>
+            <p:ph type="sldNum" idx="12"/>
           </p:nvPr>
         </p:nvSpPr>
         <p:spPr>
@@ -3926,7 +4043,7 @@
           </a:prstGeom>
         </p:spPr>
         <p:txBody>
-          <a:bodyPr anchorCtr="0" anchor="ctr" bIns="91425" lIns="91425" spcFirstLastPara="1" rIns="91425" wrap="square" tIns="91425">
+          <a:bodyPr spcFirstLastPara="1" wrap="square" lIns="91425" tIns="91425" rIns="91425" bIns="91425" anchor="ctr" anchorCtr="0">
             <a:noAutofit/>
           </a:bodyPr>
           <a:lstStyle>
@@ -3968,7 +4085,7 @@
             </a:lvl9pPr>
           </a:lstStyle>
           <a:p>
-            <a:pPr indent="0" lvl="0" marL="0" rtl="0" algn="r">
+            <a:pPr marL="0" lvl="0" indent="0" algn="r" rtl="0">
               <a:spcBef>
                 <a:spcPts val="0"/>
               </a:spcBef>
@@ -3994,11 +4111,11 @@
 </file>
 
 <file path=ppt/slideLayouts/slideLayout8.xml><?xml version="1.0" encoding="utf-8"?>
-<p:sldLayout xmlns:a="http://schemas.openxmlformats.org/drawingml/2006/main" xmlns:r="http://schemas.openxmlformats.org/officeDocument/2006/relationships" xmlns:mc="http://schemas.openxmlformats.org/markup-compatibility/2006" xmlns:mv="urn:schemas-microsoft-com:mac:vml" xmlns:p="http://schemas.openxmlformats.org/presentationml/2006/main" xmlns:c="http://schemas.openxmlformats.org/drawingml/2006/chart" xmlns:dgm="http://schemas.openxmlformats.org/drawingml/2006/diagram" xmlns:o="urn:schemas-microsoft-com:office:office" xmlns:v="urn:schemas-microsoft-com:vml" xmlns:pvml="urn:schemas-microsoft-com:office:powerpoint" xmlns:com="http://schemas.openxmlformats.org/drawingml/2006/compatibility" xmlns:p14="http://schemas.microsoft.com/office/powerpoint/2010/main" xmlns:p15="http://schemas.microsoft.com/office/powerpoint/2012/main" matchingName="Section title and description">
+<p:sldLayout xmlns:a="http://schemas.openxmlformats.org/drawingml/2006/main" xmlns:r="http://schemas.openxmlformats.org/officeDocument/2006/relationships" xmlns:p="http://schemas.openxmlformats.org/presentationml/2006/main" matchingName="Section title and description">
   <p:cSld name="SECTION_TITLE_AND_DESCRIPTION">
     <p:spTree>
       <p:nvGrpSpPr>
-        <p:cNvPr id="35" name="Shape 35"/>
+        <p:cNvPr id="1" name="Shape 35"/>
         <p:cNvGrpSpPr/>
         <p:nvPr/>
       </p:nvGrpSpPr>
@@ -4032,12 +4149,12 @@
           </a:ln>
         </p:spPr>
         <p:txBody>
-          <a:bodyPr anchorCtr="0" anchor="ctr" bIns="91425" lIns="91425" spcFirstLastPara="1" rIns="91425" wrap="square" tIns="91425">
+          <a:bodyPr spcFirstLastPara="1" wrap="square" lIns="91425" tIns="91425" rIns="91425" bIns="91425" anchor="ctr" anchorCtr="0">
             <a:noAutofit/>
           </a:bodyPr>
           <a:lstStyle/>
           <a:p>
-            <a:pPr indent="0" lvl="0" marL="0" rtl="0" algn="l">
+            <a:pPr marL="0" lvl="0" indent="0" algn="l" rtl="0">
               <a:spcBef>
                 <a:spcPts val="0"/>
               </a:spcBef>
@@ -4046,9 +4163,6 @@
               </a:spcAft>
               <a:buNone/>
             </a:pPr>
-            <a:r>
-              <a:t/>
-            </a:r>
             <a:endParaRPr/>
           </a:p>
         </p:txBody>
@@ -4056,7 +4170,9 @@
       <p:sp>
         <p:nvSpPr>
           <p:cNvPr id="37" name="Google Shape;37;p9"/>
-          <p:cNvSpPr txBox="1"/>
+          <p:cNvSpPr txBox="1">
+            <a:spLocks noGrp="1"/>
+          </p:cNvSpPr>
           <p:nvPr>
             <p:ph type="title"/>
           </p:nvPr>
@@ -4071,7 +4187,7 @@
           </a:prstGeom>
         </p:spPr>
         <p:txBody>
-          <a:bodyPr anchorCtr="0" anchor="b" bIns="91425" lIns="91425" spcFirstLastPara="1" rIns="91425" wrap="square" tIns="91425">
+          <a:bodyPr spcFirstLastPara="1" wrap="square" lIns="91425" tIns="91425" rIns="91425" bIns="91425" anchor="b" anchorCtr="0">
             <a:noAutofit/>
           </a:bodyPr>
           <a:lstStyle>
@@ -4175,15 +4291,19 @@
               <a:defRPr sz="4200"/>
             </a:lvl9pPr>
           </a:lstStyle>
-          <a:p/>
+          <a:p>
+            <a:endParaRPr/>
+          </a:p>
         </p:txBody>
       </p:sp>
       <p:sp>
         <p:nvSpPr>
           <p:cNvPr id="38" name="Google Shape;38;p9"/>
-          <p:cNvSpPr txBox="1"/>
+          <p:cNvSpPr txBox="1">
+            <a:spLocks noGrp="1"/>
+          </p:cNvSpPr>
           <p:nvPr>
-            <p:ph idx="1" type="subTitle"/>
+            <p:ph type="subTitle" idx="1"/>
           </p:nvPr>
         </p:nvSpPr>
         <p:spPr>
@@ -4196,7 +4316,7 @@
           </a:prstGeom>
         </p:spPr>
         <p:txBody>
-          <a:bodyPr anchorCtr="0" anchor="t" bIns="91425" lIns="91425" spcFirstLastPara="1" rIns="91425" wrap="square" tIns="91425">
+          <a:bodyPr spcFirstLastPara="1" wrap="square" lIns="91425" tIns="91425" rIns="91425" bIns="91425" anchor="t" anchorCtr="0">
             <a:noAutofit/>
           </a:bodyPr>
           <a:lstStyle>
@@ -4327,15 +4447,19 @@
               <a:defRPr sz="2100"/>
             </a:lvl9pPr>
           </a:lstStyle>
-          <a:p/>
+          <a:p>
+            <a:endParaRPr/>
+          </a:p>
         </p:txBody>
       </p:sp>
       <p:sp>
         <p:nvSpPr>
           <p:cNvPr id="39" name="Google Shape;39;p9"/>
-          <p:cNvSpPr txBox="1"/>
+          <p:cNvSpPr txBox="1">
+            <a:spLocks noGrp="1"/>
+          </p:cNvSpPr>
           <p:nvPr>
-            <p:ph idx="2" type="body"/>
+            <p:ph type="body" idx="2"/>
           </p:nvPr>
         </p:nvSpPr>
         <p:spPr>
@@ -4348,11 +4472,11 @@
           </a:prstGeom>
         </p:spPr>
         <p:txBody>
-          <a:bodyPr anchorCtr="0" anchor="ctr" bIns="91425" lIns="91425" spcFirstLastPara="1" rIns="91425" wrap="square" tIns="91425">
+          <a:bodyPr spcFirstLastPara="1" wrap="square" lIns="91425" tIns="91425" rIns="91425" bIns="91425" anchor="ctr" anchorCtr="0">
             <a:noAutofit/>
           </a:bodyPr>
           <a:lstStyle>
-            <a:lvl1pPr indent="-342900" lvl="0" marL="457200">
+            <a:lvl1pPr marL="457200" lvl="0" indent="-342900">
               <a:spcBef>
                 <a:spcPts val="0"/>
               </a:spcBef>
@@ -4363,7 +4487,7 @@
               <a:buChar char="●"/>
               <a:defRPr/>
             </a:lvl1pPr>
-            <a:lvl2pPr indent="-317500" lvl="1" marL="914400">
+            <a:lvl2pPr marL="914400" lvl="1" indent="-317500">
               <a:spcBef>
                 <a:spcPts val="1600"/>
               </a:spcBef>
@@ -4374,7 +4498,7 @@
               <a:buChar char="○"/>
               <a:defRPr/>
             </a:lvl2pPr>
-            <a:lvl3pPr indent="-317500" lvl="2" marL="1371600">
+            <a:lvl3pPr marL="1371600" lvl="2" indent="-317500">
               <a:spcBef>
                 <a:spcPts val="1600"/>
               </a:spcBef>
@@ -4385,7 +4509,7 @@
               <a:buChar char="■"/>
               <a:defRPr/>
             </a:lvl3pPr>
-            <a:lvl4pPr indent="-317500" lvl="3" marL="1828800">
+            <a:lvl4pPr marL="1828800" lvl="3" indent="-317500">
               <a:spcBef>
                 <a:spcPts val="1600"/>
               </a:spcBef>
@@ -4396,7 +4520,7 @@
               <a:buChar char="●"/>
               <a:defRPr/>
             </a:lvl4pPr>
-            <a:lvl5pPr indent="-317500" lvl="4" marL="2286000">
+            <a:lvl5pPr marL="2286000" lvl="4" indent="-317500">
               <a:spcBef>
                 <a:spcPts val="1600"/>
               </a:spcBef>
@@ -4407,7 +4531,7 @@
               <a:buChar char="○"/>
               <a:defRPr/>
             </a:lvl5pPr>
-            <a:lvl6pPr indent="-317500" lvl="5" marL="2743200">
+            <a:lvl6pPr marL="2743200" lvl="5" indent="-317500">
               <a:spcBef>
                 <a:spcPts val="1600"/>
               </a:spcBef>
@@ -4418,7 +4542,7 @@
               <a:buChar char="■"/>
               <a:defRPr/>
             </a:lvl6pPr>
-            <a:lvl7pPr indent="-317500" lvl="6" marL="3200400">
+            <a:lvl7pPr marL="3200400" lvl="6" indent="-317500">
               <a:spcBef>
                 <a:spcPts val="1600"/>
               </a:spcBef>
@@ -4429,7 +4553,7 @@
               <a:buChar char="●"/>
               <a:defRPr/>
             </a:lvl7pPr>
-            <a:lvl8pPr indent="-317500" lvl="7" marL="3657600">
+            <a:lvl8pPr marL="3657600" lvl="7" indent="-317500">
               <a:spcBef>
                 <a:spcPts val="1600"/>
               </a:spcBef>
@@ -4440,7 +4564,7 @@
               <a:buChar char="○"/>
               <a:defRPr/>
             </a:lvl8pPr>
-            <a:lvl9pPr indent="-317500" lvl="8" marL="4114800">
+            <a:lvl9pPr marL="4114800" lvl="8" indent="-317500">
               <a:spcBef>
                 <a:spcPts val="1600"/>
               </a:spcBef>
@@ -4452,15 +4576,19 @@
               <a:defRPr/>
             </a:lvl9pPr>
           </a:lstStyle>
-          <a:p/>
+          <a:p>
+            <a:endParaRPr/>
+          </a:p>
         </p:txBody>
       </p:sp>
       <p:sp>
         <p:nvSpPr>
           <p:cNvPr id="40" name="Google Shape;40;p9"/>
-          <p:cNvSpPr txBox="1"/>
+          <p:cNvSpPr txBox="1">
+            <a:spLocks noGrp="1"/>
+          </p:cNvSpPr>
           <p:nvPr>
-            <p:ph idx="12" type="sldNum"/>
+            <p:ph type="sldNum" idx="12"/>
           </p:nvPr>
         </p:nvSpPr>
         <p:spPr>
@@ -4473,7 +4601,7 @@
           </a:prstGeom>
         </p:spPr>
         <p:txBody>
-          <a:bodyPr anchorCtr="0" anchor="ctr" bIns="91425" lIns="91425" spcFirstLastPara="1" rIns="91425" wrap="square" tIns="91425">
+          <a:bodyPr spcFirstLastPara="1" wrap="square" lIns="91425" tIns="91425" rIns="91425" bIns="91425" anchor="ctr" anchorCtr="0">
             <a:noAutofit/>
           </a:bodyPr>
           <a:lstStyle>
@@ -4515,7 +4643,7 @@
             </a:lvl9pPr>
           </a:lstStyle>
           <a:p>
-            <a:pPr indent="0" lvl="0" marL="0" rtl="0" algn="r">
+            <a:pPr marL="0" lvl="0" indent="0" algn="r" rtl="0">
               <a:spcBef>
                 <a:spcPts val="0"/>
               </a:spcBef>
@@ -4541,11 +4669,11 @@
 </file>
 
 <file path=ppt/slideLayouts/slideLayout9.xml><?xml version="1.0" encoding="utf-8"?>
-<p:sldLayout xmlns:a="http://schemas.openxmlformats.org/drawingml/2006/main" xmlns:r="http://schemas.openxmlformats.org/officeDocument/2006/relationships" xmlns:mc="http://schemas.openxmlformats.org/markup-compatibility/2006" xmlns:mv="urn:schemas-microsoft-com:mac:vml" xmlns:p="http://schemas.openxmlformats.org/presentationml/2006/main" xmlns:c="http://schemas.openxmlformats.org/drawingml/2006/chart" xmlns:dgm="http://schemas.openxmlformats.org/drawingml/2006/diagram" xmlns:o="urn:schemas-microsoft-com:office:office" xmlns:v="urn:schemas-microsoft-com:vml" xmlns:pvml="urn:schemas-microsoft-com:office:powerpoint" xmlns:com="http://schemas.openxmlformats.org/drawingml/2006/compatibility" xmlns:p14="http://schemas.microsoft.com/office/powerpoint/2010/main" xmlns:p15="http://schemas.microsoft.com/office/powerpoint/2012/main" matchingName="Caption">
+<p:sldLayout xmlns:a="http://schemas.openxmlformats.org/drawingml/2006/main" xmlns:r="http://schemas.openxmlformats.org/officeDocument/2006/relationships" xmlns:p="http://schemas.openxmlformats.org/presentationml/2006/main" matchingName="Caption">
   <p:cSld name="CAPTION_ONLY">
     <p:spTree>
       <p:nvGrpSpPr>
-        <p:cNvPr id="41" name="Shape 41"/>
+        <p:cNvPr id="1" name="Shape 41"/>
         <p:cNvGrpSpPr/>
         <p:nvPr/>
       </p:nvGrpSpPr>
@@ -4560,9 +4688,11 @@
       <p:sp>
         <p:nvSpPr>
           <p:cNvPr id="42" name="Google Shape;42;p10"/>
-          <p:cNvSpPr txBox="1"/>
+          <p:cNvSpPr txBox="1">
+            <a:spLocks noGrp="1"/>
+          </p:cNvSpPr>
           <p:nvPr>
-            <p:ph idx="1" type="body"/>
+            <p:ph type="body" idx="1"/>
           </p:nvPr>
         </p:nvSpPr>
         <p:spPr>
@@ -4575,11 +4705,11 @@
           </a:prstGeom>
         </p:spPr>
         <p:txBody>
-          <a:bodyPr anchorCtr="0" anchor="ctr" bIns="91425" lIns="91425" spcFirstLastPara="1" rIns="91425" wrap="square" tIns="91425">
+          <a:bodyPr spcFirstLastPara="1" wrap="square" lIns="91425" tIns="91425" rIns="91425" bIns="91425" anchor="ctr" anchorCtr="0">
             <a:noAutofit/>
           </a:bodyPr>
           <a:lstStyle>
-            <a:lvl1pPr indent="-228600" lvl="0" marL="457200">
+            <a:lvl1pPr marL="457200" lvl="0" indent="-228600">
               <a:lnSpc>
                 <a:spcPct val="100000"/>
               </a:lnSpc>
@@ -4594,15 +4724,19 @@
               <a:defRPr/>
             </a:lvl1pPr>
           </a:lstStyle>
-          <a:p/>
+          <a:p>
+            <a:endParaRPr/>
+          </a:p>
         </p:txBody>
       </p:sp>
       <p:sp>
         <p:nvSpPr>
           <p:cNvPr id="43" name="Google Shape;43;p10"/>
-          <p:cNvSpPr txBox="1"/>
+          <p:cNvSpPr txBox="1">
+            <a:spLocks noGrp="1"/>
+          </p:cNvSpPr>
           <p:nvPr>
-            <p:ph idx="12" type="sldNum"/>
+            <p:ph type="sldNum" idx="12"/>
           </p:nvPr>
         </p:nvSpPr>
         <p:spPr>
@@ -4615,7 +4749,7 @@
           </a:prstGeom>
         </p:spPr>
         <p:txBody>
-          <a:bodyPr anchorCtr="0" anchor="ctr" bIns="91425" lIns="91425" spcFirstLastPara="1" rIns="91425" wrap="square" tIns="91425">
+          <a:bodyPr spcFirstLastPara="1" wrap="square" lIns="91425" tIns="91425" rIns="91425" bIns="91425" anchor="ctr" anchorCtr="0">
             <a:noAutofit/>
           </a:bodyPr>
           <a:lstStyle>
@@ -4657,7 +4791,7 @@
             </a:lvl9pPr>
           </a:lstStyle>
           <a:p>
-            <a:pPr indent="0" lvl="0" marL="0" rtl="0" algn="r">
+            <a:pPr marL="0" lvl="0" indent="0" algn="r" rtl="0">
               <a:spcBef>
                 <a:spcPts val="0"/>
               </a:spcBef>
@@ -4683,18 +4817,19 @@
 </file>
 
 <file path=ppt/slideMasters/slideMaster1.xml><?xml version="1.0" encoding="utf-8"?>
-<p:sldMaster xmlns:a="http://schemas.openxmlformats.org/drawingml/2006/main" xmlns:r="http://schemas.openxmlformats.org/officeDocument/2006/relationships" xmlns:mc="http://schemas.openxmlformats.org/markup-compatibility/2006" xmlns:mv="urn:schemas-microsoft-com:mac:vml" xmlns:p="http://schemas.openxmlformats.org/presentationml/2006/main" xmlns:c="http://schemas.openxmlformats.org/drawingml/2006/chart" xmlns:dgm="http://schemas.openxmlformats.org/drawingml/2006/diagram" xmlns:o="urn:schemas-microsoft-com:office:office" xmlns:v="urn:schemas-microsoft-com:vml" xmlns:pvml="urn:schemas-microsoft-com:office:powerpoint" xmlns:com="http://schemas.openxmlformats.org/drawingml/2006/compatibility" xmlns:p14="http://schemas.microsoft.com/office/powerpoint/2010/main" xmlns:p15="http://schemas.microsoft.com/office/powerpoint/2012/main">
+<p:sldMaster xmlns:a="http://schemas.openxmlformats.org/drawingml/2006/main" xmlns:r="http://schemas.openxmlformats.org/officeDocument/2006/relationships" xmlns:p="http://schemas.openxmlformats.org/presentationml/2006/main">
   <p:cSld name="simple-light-2">
     <p:bg>
       <p:bgPr>
         <a:solidFill>
           <a:schemeClr val="lt1"/>
         </a:solidFill>
+        <a:effectLst/>
       </p:bgPr>
     </p:bg>
     <p:spTree>
       <p:nvGrpSpPr>
-        <p:cNvPr id="5" name="Shape 5"/>
+        <p:cNvPr id="1" name="Shape 5"/>
         <p:cNvGrpSpPr/>
         <p:nvPr/>
       </p:nvGrpSpPr>
@@ -4709,7 +4844,9 @@
       <p:sp>
         <p:nvSpPr>
           <p:cNvPr id="6" name="Google Shape;6;p1"/>
-          <p:cNvSpPr txBox="1"/>
+          <p:cNvSpPr txBox="1">
+            <a:spLocks noGrp="1"/>
+          </p:cNvSpPr>
           <p:nvPr>
             <p:ph type="title"/>
           </p:nvPr>
@@ -4728,7 +4865,7 @@
           </a:ln>
         </p:spPr>
         <p:txBody>
-          <a:bodyPr anchorCtr="0" anchor="t" bIns="91425" lIns="91425" spcFirstLastPara="1" rIns="91425" wrap="square" tIns="91425">
+          <a:bodyPr spcFirstLastPara="1" wrap="square" lIns="91425" tIns="91425" rIns="91425" bIns="91425" anchor="t" anchorCtr="0">
             <a:noAutofit/>
           </a:bodyPr>
           <a:lstStyle>
@@ -4895,15 +5032,19 @@
               </a:defRPr>
             </a:lvl9pPr>
           </a:lstStyle>
-          <a:p/>
+          <a:p>
+            <a:endParaRPr/>
+          </a:p>
         </p:txBody>
       </p:sp>
       <p:sp>
         <p:nvSpPr>
           <p:cNvPr id="7" name="Google Shape;7;p1"/>
-          <p:cNvSpPr txBox="1"/>
+          <p:cNvSpPr txBox="1">
+            <a:spLocks noGrp="1"/>
+          </p:cNvSpPr>
           <p:nvPr>
-            <p:ph idx="1" type="body"/>
+            <p:ph type="body" idx="1"/>
           </p:nvPr>
         </p:nvSpPr>
         <p:spPr>
@@ -4920,11 +5061,11 @@
           </a:ln>
         </p:spPr>
         <p:txBody>
-          <a:bodyPr anchorCtr="0" anchor="t" bIns="91425" lIns="91425" spcFirstLastPara="1" rIns="91425" wrap="square" tIns="91425">
+          <a:bodyPr spcFirstLastPara="1" wrap="square" lIns="91425" tIns="91425" rIns="91425" bIns="91425" anchor="t" anchorCtr="0">
             <a:noAutofit/>
           </a:bodyPr>
           <a:lstStyle>
-            <a:lvl1pPr indent="-342900" lvl="0" marL="457200">
+            <a:lvl1pPr marL="457200" lvl="0" indent="-342900">
               <a:lnSpc>
                 <a:spcPct val="115000"/>
               </a:lnSpc>
@@ -4945,7 +5086,7 @@
                 </a:solidFill>
               </a:defRPr>
             </a:lvl1pPr>
-            <a:lvl2pPr indent="-317500" lvl="1" marL="914400">
+            <a:lvl2pPr marL="914400" lvl="1" indent="-317500">
               <a:lnSpc>
                 <a:spcPct val="115000"/>
               </a:lnSpc>
@@ -4966,7 +5107,7 @@
                 </a:solidFill>
               </a:defRPr>
             </a:lvl2pPr>
-            <a:lvl3pPr indent="-317500" lvl="2" marL="1371600">
+            <a:lvl3pPr marL="1371600" lvl="2" indent="-317500">
               <a:lnSpc>
                 <a:spcPct val="115000"/>
               </a:lnSpc>
@@ -4987,7 +5128,7 @@
                 </a:solidFill>
               </a:defRPr>
             </a:lvl3pPr>
-            <a:lvl4pPr indent="-317500" lvl="3" marL="1828800">
+            <a:lvl4pPr marL="1828800" lvl="3" indent="-317500">
               <a:lnSpc>
                 <a:spcPct val="115000"/>
               </a:lnSpc>
@@ -5008,7 +5149,7 @@
                 </a:solidFill>
               </a:defRPr>
             </a:lvl4pPr>
-            <a:lvl5pPr indent="-317500" lvl="4" marL="2286000">
+            <a:lvl5pPr marL="2286000" lvl="4" indent="-317500">
               <a:lnSpc>
                 <a:spcPct val="115000"/>
               </a:lnSpc>
@@ -5029,7 +5170,7 @@
                 </a:solidFill>
               </a:defRPr>
             </a:lvl5pPr>
-            <a:lvl6pPr indent="-317500" lvl="5" marL="2743200">
+            <a:lvl6pPr marL="2743200" lvl="5" indent="-317500">
               <a:lnSpc>
                 <a:spcPct val="115000"/>
               </a:lnSpc>
@@ -5050,7 +5191,7 @@
                 </a:solidFill>
               </a:defRPr>
             </a:lvl6pPr>
-            <a:lvl7pPr indent="-317500" lvl="6" marL="3200400">
+            <a:lvl7pPr marL="3200400" lvl="6" indent="-317500">
               <a:lnSpc>
                 <a:spcPct val="115000"/>
               </a:lnSpc>
@@ -5071,7 +5212,7 @@
                 </a:solidFill>
               </a:defRPr>
             </a:lvl7pPr>
-            <a:lvl8pPr indent="-317500" lvl="7" marL="3657600">
+            <a:lvl8pPr marL="3657600" lvl="7" indent="-317500">
               <a:lnSpc>
                 <a:spcPct val="115000"/>
               </a:lnSpc>
@@ -5092,7 +5233,7 @@
                 </a:solidFill>
               </a:defRPr>
             </a:lvl8pPr>
-            <a:lvl9pPr indent="-317500" lvl="8" marL="4114800">
+            <a:lvl9pPr marL="4114800" lvl="8" indent="-317500">
               <a:lnSpc>
                 <a:spcPct val="115000"/>
               </a:lnSpc>
@@ -5114,15 +5255,19 @@
               </a:defRPr>
             </a:lvl9pPr>
           </a:lstStyle>
-          <a:p/>
+          <a:p>
+            <a:endParaRPr/>
+          </a:p>
         </p:txBody>
       </p:sp>
       <p:sp>
         <p:nvSpPr>
           <p:cNvPr id="8" name="Google Shape;8;p1"/>
-          <p:cNvSpPr txBox="1"/>
+          <p:cNvSpPr txBox="1">
+            <a:spLocks noGrp="1"/>
+          </p:cNvSpPr>
           <p:nvPr>
-            <p:ph idx="12" type="sldNum"/>
+            <p:ph type="sldNum" idx="12"/>
           </p:nvPr>
         </p:nvSpPr>
         <p:spPr>
@@ -5139,7 +5284,7 @@
           </a:ln>
         </p:spPr>
         <p:txBody>
-          <a:bodyPr anchorCtr="0" anchor="ctr" bIns="91425" lIns="91425" spcFirstLastPara="1" rIns="91425" wrap="square" tIns="91425">
+          <a:bodyPr spcFirstLastPara="1" wrap="square" lIns="91425" tIns="91425" rIns="91425" bIns="91425" anchor="ctr" anchorCtr="0">
             <a:noAutofit/>
           </a:bodyPr>
           <a:lstStyle>
@@ -5217,7 +5362,7 @@
             </a:lvl9pPr>
           </a:lstStyle>
           <a:p>
-            <a:pPr indent="0" lvl="0" marL="0" rtl="0" algn="r">
+            <a:pPr marL="0" lvl="0" indent="0" algn="r" rtl="0">
               <a:spcBef>
                 <a:spcPts val="0"/>
               </a:spcBef>
@@ -5236,7 +5381,7 @@
       </p:sp>
     </p:spTree>
   </p:cSld>
-  <p:clrMap accent1="accent1" accent2="accent2" accent3="accent3" accent4="accent4" accent5="accent5" accent6="accent6" bg1="lt1" bg2="dk2" tx1="dk1" tx2="lt2" folHlink="folHlink" hlink="hlink"/>
+  <p:clrMap bg1="lt1" tx1="dk1" bg2="dk2" tx2="lt2" accent1="accent1" accent2="accent2" accent3="accent3" accent4="accent4" accent5="accent5" accent6="accent6" hlink="hlink" folHlink="folHlink"/>
   <p:sldLayoutIdLst>
     <p:sldLayoutId id="2147483648" r:id="rId1"/>
     <p:sldLayoutId id="2147483649" r:id="rId2"/>
@@ -5250,10 +5395,10 @@
     <p:sldLayoutId id="2147483657" r:id="rId10"/>
     <p:sldLayoutId id="2147483658" r:id="rId11"/>
   </p:sldLayoutIdLst>
-  <p:hf dt="0" ftr="0" hdr="0" sldNum="0"/>
+  <p:hf sldNum="0" hdr="0" ftr="0" dt="0"/>
   <p:txStyles>
     <p:titleStyle>
-      <a:defPPr lvl="0" marR="0" rtl="0" algn="l">
+      <a:defPPr marR="0" lvl="0" algn="l" rtl="0">
         <a:lnSpc>
           <a:spcPct val="100000"/>
         </a:lnSpc>
@@ -5264,7 +5409,7 @@
           <a:spcPts val="0"/>
         </a:spcAft>
       </a:defPPr>
-      <a:lvl1pPr lvl="0" marR="0" rtl="0" algn="l">
+      <a:lvl1pPr marR="0" lvl="0" algn="l" rtl="0">
         <a:lnSpc>
           <a:spcPct val="100000"/>
         </a:lnSpc>
@@ -5278,7 +5423,7 @@
           <a:srgbClr val="000000"/>
         </a:buClr>
         <a:buFont typeface="Arial"/>
-        <a:defRPr b="0" i="0" sz="1400" u="none" cap="none" strike="noStrike">
+        <a:defRPr sz="1400" b="0" i="0" u="none" strike="noStrike" cap="none">
           <a:solidFill>
             <a:srgbClr val="000000"/>
           </a:solidFill>
@@ -5288,7 +5433,7 @@
           <a:sym typeface="Arial"/>
         </a:defRPr>
       </a:lvl1pPr>
-      <a:lvl2pPr lvl="1" marR="0" rtl="0" algn="l">
+      <a:lvl2pPr marR="0" lvl="1" algn="l" rtl="0">
         <a:lnSpc>
           <a:spcPct val="100000"/>
         </a:lnSpc>
@@ -5302,7 +5447,7 @@
           <a:srgbClr val="000000"/>
         </a:buClr>
         <a:buFont typeface="Arial"/>
-        <a:defRPr b="0" i="0" sz="1400" u="none" cap="none" strike="noStrike">
+        <a:defRPr sz="1400" b="0" i="0" u="none" strike="noStrike" cap="none">
           <a:solidFill>
             <a:srgbClr val="000000"/>
           </a:solidFill>
@@ -5312,7 +5457,7 @@
           <a:sym typeface="Arial"/>
         </a:defRPr>
       </a:lvl2pPr>
-      <a:lvl3pPr lvl="2" marR="0" rtl="0" algn="l">
+      <a:lvl3pPr marR="0" lvl="2" algn="l" rtl="0">
         <a:lnSpc>
           <a:spcPct val="100000"/>
         </a:lnSpc>
@@ -5326,7 +5471,7 @@
           <a:srgbClr val="000000"/>
         </a:buClr>
         <a:buFont typeface="Arial"/>
-        <a:defRPr b="0" i="0" sz="1400" u="none" cap="none" strike="noStrike">
+        <a:defRPr sz="1400" b="0" i="0" u="none" strike="noStrike" cap="none">
           <a:solidFill>
             <a:srgbClr val="000000"/>
           </a:solidFill>
@@ -5336,7 +5481,7 @@
           <a:sym typeface="Arial"/>
         </a:defRPr>
       </a:lvl3pPr>
-      <a:lvl4pPr lvl="3" marR="0" rtl="0" algn="l">
+      <a:lvl4pPr marR="0" lvl="3" algn="l" rtl="0">
         <a:lnSpc>
           <a:spcPct val="100000"/>
         </a:lnSpc>
@@ -5350,7 +5495,7 @@
           <a:srgbClr val="000000"/>
         </a:buClr>
         <a:buFont typeface="Arial"/>
-        <a:defRPr b="0" i="0" sz="1400" u="none" cap="none" strike="noStrike">
+        <a:defRPr sz="1400" b="0" i="0" u="none" strike="noStrike" cap="none">
           <a:solidFill>
             <a:srgbClr val="000000"/>
           </a:solidFill>
@@ -5360,7 +5505,7 @@
           <a:sym typeface="Arial"/>
         </a:defRPr>
       </a:lvl4pPr>
-      <a:lvl5pPr lvl="4" marR="0" rtl="0" algn="l">
+      <a:lvl5pPr marR="0" lvl="4" algn="l" rtl="0">
         <a:lnSpc>
           <a:spcPct val="100000"/>
         </a:lnSpc>
@@ -5374,7 +5519,7 @@
           <a:srgbClr val="000000"/>
         </a:buClr>
         <a:buFont typeface="Arial"/>
-        <a:defRPr b="0" i="0" sz="1400" u="none" cap="none" strike="noStrike">
+        <a:defRPr sz="1400" b="0" i="0" u="none" strike="noStrike" cap="none">
           <a:solidFill>
             <a:srgbClr val="000000"/>
           </a:solidFill>
@@ -5384,7 +5529,7 @@
           <a:sym typeface="Arial"/>
         </a:defRPr>
       </a:lvl5pPr>
-      <a:lvl6pPr lvl="5" marR="0" rtl="0" algn="l">
+      <a:lvl6pPr marR="0" lvl="5" algn="l" rtl="0">
         <a:lnSpc>
           <a:spcPct val="100000"/>
         </a:lnSpc>
@@ -5398,7 +5543,7 @@
           <a:srgbClr val="000000"/>
         </a:buClr>
         <a:buFont typeface="Arial"/>
-        <a:defRPr b="0" i="0" sz="1400" u="none" cap="none" strike="noStrike">
+        <a:defRPr sz="1400" b="0" i="0" u="none" strike="noStrike" cap="none">
           <a:solidFill>
             <a:srgbClr val="000000"/>
           </a:solidFill>
@@ -5408,7 +5553,7 @@
           <a:sym typeface="Arial"/>
         </a:defRPr>
       </a:lvl6pPr>
-      <a:lvl7pPr lvl="6" marR="0" rtl="0" algn="l">
+      <a:lvl7pPr marR="0" lvl="6" algn="l" rtl="0">
         <a:lnSpc>
           <a:spcPct val="100000"/>
         </a:lnSpc>
@@ -5422,7 +5567,7 @@
           <a:srgbClr val="000000"/>
         </a:buClr>
         <a:buFont typeface="Arial"/>
-        <a:defRPr b="0" i="0" sz="1400" u="none" cap="none" strike="noStrike">
+        <a:defRPr sz="1400" b="0" i="0" u="none" strike="noStrike" cap="none">
           <a:solidFill>
             <a:srgbClr val="000000"/>
           </a:solidFill>
@@ -5432,7 +5577,7 @@
           <a:sym typeface="Arial"/>
         </a:defRPr>
       </a:lvl7pPr>
-      <a:lvl8pPr lvl="7" marR="0" rtl="0" algn="l">
+      <a:lvl8pPr marR="0" lvl="7" algn="l" rtl="0">
         <a:lnSpc>
           <a:spcPct val="100000"/>
         </a:lnSpc>
@@ -5446,7 +5591,7 @@
           <a:srgbClr val="000000"/>
         </a:buClr>
         <a:buFont typeface="Arial"/>
-        <a:defRPr b="0" i="0" sz="1400" u="none" cap="none" strike="noStrike">
+        <a:defRPr sz="1400" b="0" i="0" u="none" strike="noStrike" cap="none">
           <a:solidFill>
             <a:srgbClr val="000000"/>
           </a:solidFill>
@@ -5456,7 +5601,7 @@
           <a:sym typeface="Arial"/>
         </a:defRPr>
       </a:lvl8pPr>
-      <a:lvl9pPr lvl="8" marR="0" rtl="0" algn="l">
+      <a:lvl9pPr marR="0" lvl="8" algn="l" rtl="0">
         <a:lnSpc>
           <a:spcPct val="100000"/>
         </a:lnSpc>
@@ -5470,7 +5615,7 @@
           <a:srgbClr val="000000"/>
         </a:buClr>
         <a:buFont typeface="Arial"/>
-        <a:defRPr b="0" i="0" sz="1400" u="none" cap="none" strike="noStrike">
+        <a:defRPr sz="1400" b="0" i="0" u="none" strike="noStrike" cap="none">
           <a:solidFill>
             <a:srgbClr val="000000"/>
           </a:solidFill>
@@ -5482,7 +5627,7 @@
       </a:lvl9pPr>
     </p:titleStyle>
     <p:bodyStyle>
-      <a:defPPr lvl="0" marR="0" rtl="0" algn="l">
+      <a:defPPr marR="0" lvl="0" algn="l" rtl="0">
         <a:lnSpc>
           <a:spcPct val="100000"/>
         </a:lnSpc>
@@ -5493,7 +5638,7 @@
           <a:spcPts val="0"/>
         </a:spcAft>
       </a:defPPr>
-      <a:lvl1pPr lvl="0" marR="0" rtl="0" algn="l">
+      <a:lvl1pPr marR="0" lvl="0" algn="l" rtl="0">
         <a:lnSpc>
           <a:spcPct val="100000"/>
         </a:lnSpc>
@@ -5507,7 +5652,7 @@
           <a:srgbClr val="000000"/>
         </a:buClr>
         <a:buFont typeface="Arial"/>
-        <a:defRPr b="0" i="0" sz="1400" u="none" cap="none" strike="noStrike">
+        <a:defRPr sz="1400" b="0" i="0" u="none" strike="noStrike" cap="none">
           <a:solidFill>
             <a:srgbClr val="000000"/>
           </a:solidFill>
@@ -5517,7 +5662,7 @@
           <a:sym typeface="Arial"/>
         </a:defRPr>
       </a:lvl1pPr>
-      <a:lvl2pPr lvl="1" marR="0" rtl="0" algn="l">
+      <a:lvl2pPr marR="0" lvl="1" algn="l" rtl="0">
         <a:lnSpc>
           <a:spcPct val="100000"/>
         </a:lnSpc>
@@ -5531,7 +5676,7 @@
           <a:srgbClr val="000000"/>
         </a:buClr>
         <a:buFont typeface="Arial"/>
-        <a:defRPr b="0" i="0" sz="1400" u="none" cap="none" strike="noStrike">
+        <a:defRPr sz="1400" b="0" i="0" u="none" strike="noStrike" cap="none">
           <a:solidFill>
             <a:srgbClr val="000000"/>
           </a:solidFill>
@@ -5541,7 +5686,7 @@
           <a:sym typeface="Arial"/>
         </a:defRPr>
       </a:lvl2pPr>
-      <a:lvl3pPr lvl="2" marR="0" rtl="0" algn="l">
+      <a:lvl3pPr marR="0" lvl="2" algn="l" rtl="0">
         <a:lnSpc>
           <a:spcPct val="100000"/>
         </a:lnSpc>
@@ -5555,7 +5700,7 @@
           <a:srgbClr val="000000"/>
         </a:buClr>
         <a:buFont typeface="Arial"/>
-        <a:defRPr b="0" i="0" sz="1400" u="none" cap="none" strike="noStrike">
+        <a:defRPr sz="1400" b="0" i="0" u="none" strike="noStrike" cap="none">
           <a:solidFill>
             <a:srgbClr val="000000"/>
           </a:solidFill>
@@ -5565,7 +5710,7 @@
           <a:sym typeface="Arial"/>
         </a:defRPr>
       </a:lvl3pPr>
-      <a:lvl4pPr lvl="3" marR="0" rtl="0" algn="l">
+      <a:lvl4pPr marR="0" lvl="3" algn="l" rtl="0">
         <a:lnSpc>
           <a:spcPct val="100000"/>
         </a:lnSpc>
@@ -5579,7 +5724,7 @@
           <a:srgbClr val="000000"/>
         </a:buClr>
         <a:buFont typeface="Arial"/>
-        <a:defRPr b="0" i="0" sz="1400" u="none" cap="none" strike="noStrike">
+        <a:defRPr sz="1400" b="0" i="0" u="none" strike="noStrike" cap="none">
           <a:solidFill>
             <a:srgbClr val="000000"/>
           </a:solidFill>
@@ -5589,7 +5734,7 @@
           <a:sym typeface="Arial"/>
         </a:defRPr>
       </a:lvl4pPr>
-      <a:lvl5pPr lvl="4" marR="0" rtl="0" algn="l">
+      <a:lvl5pPr marR="0" lvl="4" algn="l" rtl="0">
         <a:lnSpc>
           <a:spcPct val="100000"/>
         </a:lnSpc>
@@ -5603,7 +5748,7 @@
           <a:srgbClr val="000000"/>
         </a:buClr>
         <a:buFont typeface="Arial"/>
-        <a:defRPr b="0" i="0" sz="1400" u="none" cap="none" strike="noStrike">
+        <a:defRPr sz="1400" b="0" i="0" u="none" strike="noStrike" cap="none">
           <a:solidFill>
             <a:srgbClr val="000000"/>
           </a:solidFill>
@@ -5613,7 +5758,7 @@
           <a:sym typeface="Arial"/>
         </a:defRPr>
       </a:lvl5pPr>
-      <a:lvl6pPr lvl="5" marR="0" rtl="0" algn="l">
+      <a:lvl6pPr marR="0" lvl="5" algn="l" rtl="0">
         <a:lnSpc>
           <a:spcPct val="100000"/>
         </a:lnSpc>
@@ -5627,7 +5772,7 @@
           <a:srgbClr val="000000"/>
         </a:buClr>
         <a:buFont typeface="Arial"/>
-        <a:defRPr b="0" i="0" sz="1400" u="none" cap="none" strike="noStrike">
+        <a:defRPr sz="1400" b="0" i="0" u="none" strike="noStrike" cap="none">
           <a:solidFill>
             <a:srgbClr val="000000"/>
           </a:solidFill>
@@ -5637,7 +5782,7 @@
           <a:sym typeface="Arial"/>
         </a:defRPr>
       </a:lvl6pPr>
-      <a:lvl7pPr lvl="6" marR="0" rtl="0" algn="l">
+      <a:lvl7pPr marR="0" lvl="6" algn="l" rtl="0">
         <a:lnSpc>
           <a:spcPct val="100000"/>
         </a:lnSpc>
@@ -5651,7 +5796,7 @@
           <a:srgbClr val="000000"/>
         </a:buClr>
         <a:buFont typeface="Arial"/>
-        <a:defRPr b="0" i="0" sz="1400" u="none" cap="none" strike="noStrike">
+        <a:defRPr sz="1400" b="0" i="0" u="none" strike="noStrike" cap="none">
           <a:solidFill>
             <a:srgbClr val="000000"/>
           </a:solidFill>
@@ -5661,7 +5806,7 @@
           <a:sym typeface="Arial"/>
         </a:defRPr>
       </a:lvl7pPr>
-      <a:lvl8pPr lvl="7" marR="0" rtl="0" algn="l">
+      <a:lvl8pPr marR="0" lvl="7" algn="l" rtl="0">
         <a:lnSpc>
           <a:spcPct val="100000"/>
         </a:lnSpc>
@@ -5675,7 +5820,7 @@
           <a:srgbClr val="000000"/>
         </a:buClr>
         <a:buFont typeface="Arial"/>
-        <a:defRPr b="0" i="0" sz="1400" u="none" cap="none" strike="noStrike">
+        <a:defRPr sz="1400" b="0" i="0" u="none" strike="noStrike" cap="none">
           <a:solidFill>
             <a:srgbClr val="000000"/>
           </a:solidFill>
@@ -5685,7 +5830,7 @@
           <a:sym typeface="Arial"/>
         </a:defRPr>
       </a:lvl8pPr>
-      <a:lvl9pPr lvl="8" marR="0" rtl="0" algn="l">
+      <a:lvl9pPr marR="0" lvl="8" algn="l" rtl="0">
         <a:lnSpc>
           <a:spcPct val="100000"/>
         </a:lnSpc>
@@ -5699,7 +5844,7 @@
           <a:srgbClr val="000000"/>
         </a:buClr>
         <a:buFont typeface="Arial"/>
-        <a:defRPr b="0" i="0" sz="1400" u="none" cap="none" strike="noStrike">
+        <a:defRPr sz="1400" b="0" i="0" u="none" strike="noStrike" cap="none">
           <a:solidFill>
             <a:srgbClr val="000000"/>
           </a:solidFill>
@@ -5711,7 +5856,7 @@
       </a:lvl9pPr>
     </p:bodyStyle>
     <p:otherStyle>
-      <a:defPPr lvl="0" marR="0" rtl="0" algn="l">
+      <a:defPPr marR="0" lvl="0" algn="l" rtl="0">
         <a:lnSpc>
           <a:spcPct val="100000"/>
         </a:lnSpc>
@@ -5722,7 +5867,7 @@
           <a:spcPts val="0"/>
         </a:spcAft>
       </a:defPPr>
-      <a:lvl1pPr lvl="0" marR="0" rtl="0" algn="l">
+      <a:lvl1pPr marR="0" lvl="0" algn="l" rtl="0">
         <a:lnSpc>
           <a:spcPct val="100000"/>
         </a:lnSpc>
@@ -5736,7 +5881,7 @@
           <a:srgbClr val="000000"/>
         </a:buClr>
         <a:buFont typeface="Arial"/>
-        <a:defRPr b="0" i="0" sz="1400" u="none" cap="none" strike="noStrike">
+        <a:defRPr sz="1400" b="0" i="0" u="none" strike="noStrike" cap="none">
           <a:solidFill>
             <a:srgbClr val="000000"/>
           </a:solidFill>
@@ -5746,7 +5891,7 @@
           <a:sym typeface="Arial"/>
         </a:defRPr>
       </a:lvl1pPr>
-      <a:lvl2pPr lvl="1" marR="0" rtl="0" algn="l">
+      <a:lvl2pPr marR="0" lvl="1" algn="l" rtl="0">
         <a:lnSpc>
           <a:spcPct val="100000"/>
         </a:lnSpc>
@@ -5760,7 +5905,7 @@
           <a:srgbClr val="000000"/>
         </a:buClr>
         <a:buFont typeface="Arial"/>
-        <a:defRPr b="0" i="0" sz="1400" u="none" cap="none" strike="noStrike">
+        <a:defRPr sz="1400" b="0" i="0" u="none" strike="noStrike" cap="none">
           <a:solidFill>
             <a:srgbClr val="000000"/>
           </a:solidFill>
@@ -5770,7 +5915,7 @@
           <a:sym typeface="Arial"/>
         </a:defRPr>
       </a:lvl2pPr>
-      <a:lvl3pPr lvl="2" marR="0" rtl="0" algn="l">
+      <a:lvl3pPr marR="0" lvl="2" algn="l" rtl="0">
         <a:lnSpc>
           <a:spcPct val="100000"/>
         </a:lnSpc>
@@ -5784,7 +5929,7 @@
           <a:srgbClr val="000000"/>
         </a:buClr>
         <a:buFont typeface="Arial"/>
-        <a:defRPr b="0" i="0" sz="1400" u="none" cap="none" strike="noStrike">
+        <a:defRPr sz="1400" b="0" i="0" u="none" strike="noStrike" cap="none">
           <a:solidFill>
             <a:srgbClr val="000000"/>
           </a:solidFill>
@@ -5794,7 +5939,7 @@
           <a:sym typeface="Arial"/>
         </a:defRPr>
       </a:lvl3pPr>
-      <a:lvl4pPr lvl="3" marR="0" rtl="0" algn="l">
+      <a:lvl4pPr marR="0" lvl="3" algn="l" rtl="0">
         <a:lnSpc>
           <a:spcPct val="100000"/>
         </a:lnSpc>
@@ -5808,7 +5953,7 @@
           <a:srgbClr val="000000"/>
         </a:buClr>
         <a:buFont typeface="Arial"/>
-        <a:defRPr b="0" i="0" sz="1400" u="none" cap="none" strike="noStrike">
+        <a:defRPr sz="1400" b="0" i="0" u="none" strike="noStrike" cap="none">
           <a:solidFill>
             <a:srgbClr val="000000"/>
           </a:solidFill>
@@ -5818,7 +5963,7 @@
           <a:sym typeface="Arial"/>
         </a:defRPr>
       </a:lvl4pPr>
-      <a:lvl5pPr lvl="4" marR="0" rtl="0" algn="l">
+      <a:lvl5pPr marR="0" lvl="4" algn="l" rtl="0">
         <a:lnSpc>
           <a:spcPct val="100000"/>
         </a:lnSpc>
@@ -5832,7 +5977,7 @@
           <a:srgbClr val="000000"/>
         </a:buClr>
         <a:buFont typeface="Arial"/>
-        <a:defRPr b="0" i="0" sz="1400" u="none" cap="none" strike="noStrike">
+        <a:defRPr sz="1400" b="0" i="0" u="none" strike="noStrike" cap="none">
           <a:solidFill>
             <a:srgbClr val="000000"/>
           </a:solidFill>
@@ -5842,7 +5987,7 @@
           <a:sym typeface="Arial"/>
         </a:defRPr>
       </a:lvl5pPr>
-      <a:lvl6pPr lvl="5" marR="0" rtl="0" algn="l">
+      <a:lvl6pPr marR="0" lvl="5" algn="l" rtl="0">
         <a:lnSpc>
           <a:spcPct val="100000"/>
         </a:lnSpc>
@@ -5856,7 +6001,7 @@
           <a:srgbClr val="000000"/>
         </a:buClr>
         <a:buFont typeface="Arial"/>
-        <a:defRPr b="0" i="0" sz="1400" u="none" cap="none" strike="noStrike">
+        <a:defRPr sz="1400" b="0" i="0" u="none" strike="noStrike" cap="none">
           <a:solidFill>
             <a:srgbClr val="000000"/>
           </a:solidFill>
@@ -5866,7 +6011,7 @@
           <a:sym typeface="Arial"/>
         </a:defRPr>
       </a:lvl6pPr>
-      <a:lvl7pPr lvl="6" marR="0" rtl="0" algn="l">
+      <a:lvl7pPr marR="0" lvl="6" algn="l" rtl="0">
         <a:lnSpc>
           <a:spcPct val="100000"/>
         </a:lnSpc>
@@ -5880,7 +6025,7 @@
           <a:srgbClr val="000000"/>
         </a:buClr>
         <a:buFont typeface="Arial"/>
-        <a:defRPr b="0" i="0" sz="1400" u="none" cap="none" strike="noStrike">
+        <a:defRPr sz="1400" b="0" i="0" u="none" strike="noStrike" cap="none">
           <a:solidFill>
             <a:srgbClr val="000000"/>
           </a:solidFill>
@@ -5890,7 +6035,7 @@
           <a:sym typeface="Arial"/>
         </a:defRPr>
       </a:lvl7pPr>
-      <a:lvl8pPr lvl="7" marR="0" rtl="0" algn="l">
+      <a:lvl8pPr marR="0" lvl="7" algn="l" rtl="0">
         <a:lnSpc>
           <a:spcPct val="100000"/>
         </a:lnSpc>
@@ -5904,7 +6049,7 @@
           <a:srgbClr val="000000"/>
         </a:buClr>
         <a:buFont typeface="Arial"/>
-        <a:defRPr b="0" i="0" sz="1400" u="none" cap="none" strike="noStrike">
+        <a:defRPr sz="1400" b="0" i="0" u="none" strike="noStrike" cap="none">
           <a:solidFill>
             <a:srgbClr val="000000"/>
           </a:solidFill>
@@ -5914,7 +6059,7 @@
           <a:sym typeface="Arial"/>
         </a:defRPr>
       </a:lvl8pPr>
-      <a:lvl9pPr lvl="8" marR="0" rtl="0" algn="l">
+      <a:lvl9pPr marR="0" lvl="8" algn="l" rtl="0">
         <a:lnSpc>
           <a:spcPct val="100000"/>
         </a:lnSpc>
@@ -5928,7 +6073,7 @@
           <a:srgbClr val="000000"/>
         </a:buClr>
         <a:buFont typeface="Arial"/>
-        <a:defRPr b="0" i="0" sz="1400" u="none" cap="none" strike="noStrike">
+        <a:defRPr sz="1400" b="0" i="0" u="none" strike="noStrike" cap="none">
           <a:solidFill>
             <a:srgbClr val="000000"/>
           </a:solidFill>
@@ -5944,11 +6089,11 @@
 </file>
 
 <file path=ppt/slides/slide1.xml><?xml version="1.0" encoding="utf-8"?>
-<p:sld xmlns:a="http://schemas.openxmlformats.org/drawingml/2006/main" xmlns:r="http://schemas.openxmlformats.org/officeDocument/2006/relationships" xmlns:mc="http://schemas.openxmlformats.org/markup-compatibility/2006" xmlns:mv="urn:schemas-microsoft-com:mac:vml" xmlns:p="http://schemas.openxmlformats.org/presentationml/2006/main" xmlns:c="http://schemas.openxmlformats.org/drawingml/2006/chart" xmlns:dgm="http://schemas.openxmlformats.org/drawingml/2006/diagram" xmlns:o="urn:schemas-microsoft-com:office:office" xmlns:v="urn:schemas-microsoft-com:vml" xmlns:pvml="urn:schemas-microsoft-com:office:powerpoint" xmlns:com="http://schemas.openxmlformats.org/drawingml/2006/compatibility" xmlns:p14="http://schemas.microsoft.com/office/powerpoint/2010/main" xmlns:p15="http://schemas.microsoft.com/office/powerpoint/2012/main">
+<p:sld xmlns:a="http://schemas.openxmlformats.org/drawingml/2006/main" xmlns:r="http://schemas.openxmlformats.org/officeDocument/2006/relationships" xmlns:p="http://schemas.openxmlformats.org/presentationml/2006/main">
   <p:cSld>
     <p:spTree>
       <p:nvGrpSpPr>
-        <p:cNvPr id="53" name="Shape 53"/>
+        <p:cNvPr id="1" name="Shape 53"/>
         <p:cNvGrpSpPr/>
         <p:nvPr/>
       </p:nvGrpSpPr>
@@ -5997,11 +6142,11 @@
 </file>
 
 <file path=ppt/slides/slide2.xml><?xml version="1.0" encoding="utf-8"?>
-<p:sld xmlns:a="http://schemas.openxmlformats.org/drawingml/2006/main" xmlns:r="http://schemas.openxmlformats.org/officeDocument/2006/relationships" xmlns:mc="http://schemas.openxmlformats.org/markup-compatibility/2006" xmlns:mv="urn:schemas-microsoft-com:mac:vml" xmlns:p="http://schemas.openxmlformats.org/presentationml/2006/main" xmlns:c="http://schemas.openxmlformats.org/drawingml/2006/chart" xmlns:dgm="http://schemas.openxmlformats.org/drawingml/2006/diagram" xmlns:o="urn:schemas-microsoft-com:office:office" xmlns:v="urn:schemas-microsoft-com:vml" xmlns:pvml="urn:schemas-microsoft-com:office:powerpoint" xmlns:com="http://schemas.openxmlformats.org/drawingml/2006/compatibility" xmlns:p14="http://schemas.microsoft.com/office/powerpoint/2010/main" xmlns:p15="http://schemas.microsoft.com/office/powerpoint/2012/main">
+<p:sld xmlns:a="http://schemas.openxmlformats.org/drawingml/2006/main" xmlns:r="http://schemas.openxmlformats.org/officeDocument/2006/relationships" xmlns:p="http://schemas.openxmlformats.org/presentationml/2006/main">
   <p:cSld>
     <p:spTree>
       <p:nvGrpSpPr>
-        <p:cNvPr id="58" name="Shape 58"/>
+        <p:cNvPr id="1" name="Shape 58"/>
         <p:cNvGrpSpPr/>
         <p:nvPr/>
       </p:nvGrpSpPr>
@@ -6023,7 +6168,7 @@
           <a:blip r:embed="rId3">
             <a:alphaModFix/>
           </a:blip>
-          <a:srcRect b="10234" l="0" r="0" t="5391"/>
+          <a:srcRect t="5391" b="10234"/>
           <a:stretch/>
         </p:blipFill>
         <p:spPr>
@@ -6043,7 +6188,9 @@
       <p:sp>
         <p:nvSpPr>
           <p:cNvPr id="60" name="Google Shape;60;p14"/>
-          <p:cNvSpPr txBox="1"/>
+          <p:cNvSpPr txBox="1">
+            <a:spLocks noGrp="1"/>
+          </p:cNvSpPr>
           <p:nvPr>
             <p:ph type="title"/>
           </p:nvPr>
@@ -6058,12 +6205,12 @@
           </a:prstGeom>
         </p:spPr>
         <p:txBody>
-          <a:bodyPr anchorCtr="0" anchor="t" bIns="91425" lIns="91425" spcFirstLastPara="1" rIns="91425" wrap="square" tIns="91425">
+          <a:bodyPr spcFirstLastPara="1" wrap="square" lIns="91425" tIns="91425" rIns="91425" bIns="91425" anchor="t" anchorCtr="0">
             <a:noAutofit/>
           </a:bodyPr>
           <a:lstStyle/>
           <a:p>
-            <a:pPr indent="0" lvl="0" marL="0" rtl="0" algn="ctr">
+            <a:pPr marL="0" lvl="0" indent="0" algn="ctr" rtl="0">
               <a:lnSpc>
                 <a:spcPct val="90000"/>
               </a:lnSpc>
@@ -6076,7 +6223,7 @@
               <a:buNone/>
             </a:pPr>
             <a:r>
-              <a:rPr b="1" lang="en" sz="7200">
+              <a:rPr lang="en" sz="7200" b="1">
                 <a:solidFill>
                   <a:srgbClr val="FFFFFF"/>
                 </a:solidFill>
@@ -6087,7 +6234,7 @@
               </a:rPr>
               <a:t>Mission</a:t>
             </a:r>
-            <a:endParaRPr b="1" sz="7200">
+            <a:endParaRPr sz="7200" b="1">
               <a:solidFill>
                 <a:srgbClr val="FFFFFF"/>
               </a:solidFill>
@@ -6098,7 +6245,7 @@
             </a:endParaRPr>
           </a:p>
           <a:p>
-            <a:pPr indent="0" lvl="0" marL="0" rtl="0" algn="ctr">
+            <a:pPr marL="0" lvl="0" indent="0" algn="ctr" rtl="0">
               <a:lnSpc>
                 <a:spcPct val="90000"/>
               </a:lnSpc>
@@ -6111,7 +6258,7 @@
               <a:buNone/>
             </a:pPr>
             <a:r>
-              <a:rPr b="1" lang="en" sz="7200">
+              <a:rPr lang="en" sz="7200" b="1">
                 <a:solidFill>
                   <a:srgbClr val="FFFFFF"/>
                 </a:solidFill>
@@ -6122,7 +6269,7 @@
               </a:rPr>
               <a:t>Statement</a:t>
             </a:r>
-            <a:endParaRPr b="1" sz="7200">
+            <a:endParaRPr sz="7200" b="1">
               <a:solidFill>
                 <a:srgbClr val="FFFFFF"/>
               </a:solidFill>
@@ -6143,11 +6290,11 @@
 </file>
 
 <file path=ppt/slides/slide3.xml><?xml version="1.0" encoding="utf-8"?>
-<p:sld xmlns:a="http://schemas.openxmlformats.org/drawingml/2006/main" xmlns:r="http://schemas.openxmlformats.org/officeDocument/2006/relationships" xmlns:mc="http://schemas.openxmlformats.org/markup-compatibility/2006" xmlns:mv="urn:schemas-microsoft-com:mac:vml" xmlns:p="http://schemas.openxmlformats.org/presentationml/2006/main" xmlns:c="http://schemas.openxmlformats.org/drawingml/2006/chart" xmlns:dgm="http://schemas.openxmlformats.org/drawingml/2006/diagram" xmlns:o="urn:schemas-microsoft-com:office:office" xmlns:v="urn:schemas-microsoft-com:vml" xmlns:pvml="urn:schemas-microsoft-com:office:powerpoint" xmlns:com="http://schemas.openxmlformats.org/drawingml/2006/compatibility" xmlns:p14="http://schemas.microsoft.com/office/powerpoint/2010/main" xmlns:p15="http://schemas.microsoft.com/office/powerpoint/2012/main">
+<p:sld xmlns:a="http://schemas.openxmlformats.org/drawingml/2006/main" xmlns:r="http://schemas.openxmlformats.org/officeDocument/2006/relationships" xmlns:p="http://schemas.openxmlformats.org/presentationml/2006/main">
   <p:cSld>
     <p:spTree>
       <p:nvGrpSpPr>
-        <p:cNvPr id="64" name="Shape 64"/>
+        <p:cNvPr id="1" name="Shape 64"/>
         <p:cNvGrpSpPr/>
         <p:nvPr/>
       </p:nvGrpSpPr>
@@ -6162,7 +6309,9 @@
       <p:sp>
         <p:nvSpPr>
           <p:cNvPr id="65" name="Google Shape;65;p15"/>
-          <p:cNvSpPr txBox="1"/>
+          <p:cNvSpPr txBox="1">
+            <a:spLocks noGrp="1"/>
+          </p:cNvSpPr>
           <p:nvPr>
             <p:ph type="title"/>
           </p:nvPr>
@@ -6177,12 +6326,12 @@
           </a:prstGeom>
         </p:spPr>
         <p:txBody>
-          <a:bodyPr anchorCtr="0" anchor="t" bIns="91425" lIns="91425" spcFirstLastPara="1" rIns="91425" wrap="square" tIns="91425">
+          <a:bodyPr spcFirstLastPara="1" wrap="square" lIns="91425" tIns="91425" rIns="91425" bIns="91425" anchor="t" anchorCtr="0">
             <a:noAutofit/>
           </a:bodyPr>
           <a:lstStyle/>
           <a:p>
-            <a:pPr indent="0" lvl="0" marL="0" rtl="0" algn="l">
+            <a:pPr marL="0" lvl="0" indent="0" algn="l" rtl="0">
               <a:spcBef>
                 <a:spcPts val="0"/>
               </a:spcBef>
@@ -6191,9 +6340,6 @@
               </a:spcAft>
               <a:buNone/>
             </a:pPr>
-            <a:r>
-              <a:t/>
-            </a:r>
             <a:endParaRPr/>
           </a:p>
         </p:txBody>
@@ -6201,9 +6347,11 @@
       <p:sp>
         <p:nvSpPr>
           <p:cNvPr id="66" name="Google Shape;66;p15"/>
-          <p:cNvSpPr txBox="1"/>
+          <p:cNvSpPr txBox="1">
+            <a:spLocks noGrp="1"/>
+          </p:cNvSpPr>
           <p:nvPr>
-            <p:ph idx="1" type="body"/>
+            <p:ph type="body" idx="1"/>
           </p:nvPr>
         </p:nvSpPr>
         <p:spPr>
@@ -6216,12 +6364,12 @@
           </a:prstGeom>
         </p:spPr>
         <p:txBody>
-          <a:bodyPr anchorCtr="0" anchor="t" bIns="91425" lIns="91425" spcFirstLastPara="1" rIns="91425" wrap="square" tIns="91425">
+          <a:bodyPr spcFirstLastPara="1" wrap="square" lIns="91425" tIns="91425" rIns="91425" bIns="91425" anchor="t" anchorCtr="0">
             <a:noAutofit/>
           </a:bodyPr>
           <a:lstStyle/>
           <a:p>
-            <a:pPr indent="0" lvl="0" marL="0" rtl="0" algn="l">
+            <a:pPr marL="0" lvl="0" indent="0" algn="l" rtl="0">
               <a:spcBef>
                 <a:spcPts val="0"/>
               </a:spcBef>
@@ -6230,9 +6378,6 @@
               </a:spcAft>
               <a:buNone/>
             </a:pPr>
-            <a:r>
-              <a:t/>
-            </a:r>
             <a:endParaRPr/>
           </a:p>
         </p:txBody>
@@ -6274,11 +6419,11 @@
 </file>
 
 <file path=ppt/slides/slide4.xml><?xml version="1.0" encoding="utf-8"?>
-<p:sld xmlns:a="http://schemas.openxmlformats.org/drawingml/2006/main" xmlns:r="http://schemas.openxmlformats.org/officeDocument/2006/relationships" xmlns:mc="http://schemas.openxmlformats.org/markup-compatibility/2006" xmlns:mv="urn:schemas-microsoft-com:mac:vml" xmlns:p="http://schemas.openxmlformats.org/presentationml/2006/main" xmlns:c="http://schemas.openxmlformats.org/drawingml/2006/chart" xmlns:dgm="http://schemas.openxmlformats.org/drawingml/2006/diagram" xmlns:o="urn:schemas-microsoft-com:office:office" xmlns:v="urn:schemas-microsoft-com:vml" xmlns:pvml="urn:schemas-microsoft-com:office:powerpoint" xmlns:com="http://schemas.openxmlformats.org/drawingml/2006/compatibility" xmlns:p14="http://schemas.microsoft.com/office/powerpoint/2010/main" xmlns:p15="http://schemas.microsoft.com/office/powerpoint/2012/main">
+<p:sld xmlns:a="http://schemas.openxmlformats.org/drawingml/2006/main" xmlns:r="http://schemas.openxmlformats.org/officeDocument/2006/relationships" xmlns:p="http://schemas.openxmlformats.org/presentationml/2006/main">
   <p:cSld>
     <p:spTree>
       <p:nvGrpSpPr>
-        <p:cNvPr id="71" name="Shape 71"/>
+        <p:cNvPr id="1" name="Shape 71"/>
         <p:cNvGrpSpPr/>
         <p:nvPr/>
       </p:nvGrpSpPr>
@@ -6293,7 +6438,9 @@
       <p:sp>
         <p:nvSpPr>
           <p:cNvPr id="72" name="Google Shape;72;p16"/>
-          <p:cNvSpPr txBox="1"/>
+          <p:cNvSpPr txBox="1">
+            <a:spLocks noGrp="1"/>
+          </p:cNvSpPr>
           <p:nvPr>
             <p:ph type="title"/>
           </p:nvPr>
@@ -6308,12 +6455,12 @@
           </a:prstGeom>
         </p:spPr>
         <p:txBody>
-          <a:bodyPr anchorCtr="0" anchor="t" bIns="91425" lIns="91425" spcFirstLastPara="1" rIns="91425" wrap="square" tIns="91425">
+          <a:bodyPr spcFirstLastPara="1" wrap="square" lIns="91425" tIns="91425" rIns="91425" bIns="91425" anchor="t" anchorCtr="0">
             <a:noAutofit/>
           </a:bodyPr>
           <a:lstStyle/>
           <a:p>
-            <a:pPr indent="0" lvl="0" marL="0" rtl="0" algn="ctr">
+            <a:pPr marL="0" lvl="0" indent="0" algn="ctr" rtl="0">
               <a:spcBef>
                 <a:spcPts val="0"/>
               </a:spcBef>
@@ -6323,7 +6470,7 @@
               <a:buNone/>
             </a:pPr>
             <a:r>
-              <a:rPr b="1" lang="en" sz="6000">
+              <a:rPr lang="en" sz="6000" b="1">
                 <a:latin typeface="Montserrat"/>
                 <a:ea typeface="Montserrat"/>
                 <a:cs typeface="Montserrat"/>
@@ -6331,7 +6478,7 @@
               </a:rPr>
               <a:t>Tools</a:t>
             </a:r>
-            <a:endParaRPr b="1" sz="6000">
+            <a:endParaRPr sz="6000" b="1">
               <a:latin typeface="Montserrat"/>
               <a:ea typeface="Montserrat"/>
               <a:cs typeface="Montserrat"/>
@@ -6489,11 +6636,11 @@
 </file>
 
 <file path=ppt/slides/slide5.xml><?xml version="1.0" encoding="utf-8"?>
-<p:sld xmlns:a="http://schemas.openxmlformats.org/drawingml/2006/main" xmlns:r="http://schemas.openxmlformats.org/officeDocument/2006/relationships" xmlns:mc="http://schemas.openxmlformats.org/markup-compatibility/2006" xmlns:mv="urn:schemas-microsoft-com:mac:vml" xmlns:p="http://schemas.openxmlformats.org/presentationml/2006/main" xmlns:c="http://schemas.openxmlformats.org/drawingml/2006/chart" xmlns:dgm="http://schemas.openxmlformats.org/drawingml/2006/diagram" xmlns:o="urn:schemas-microsoft-com:office:office" xmlns:v="urn:schemas-microsoft-com:vml" xmlns:pvml="urn:schemas-microsoft-com:office:powerpoint" xmlns:com="http://schemas.openxmlformats.org/drawingml/2006/compatibility" xmlns:p14="http://schemas.microsoft.com/office/powerpoint/2010/main" xmlns:p15="http://schemas.microsoft.com/office/powerpoint/2012/main">
+<p:sld xmlns:a="http://schemas.openxmlformats.org/drawingml/2006/main" xmlns:r="http://schemas.openxmlformats.org/officeDocument/2006/relationships" xmlns:p="http://schemas.openxmlformats.org/presentationml/2006/main">
   <p:cSld>
     <p:spTree>
       <p:nvGrpSpPr>
-        <p:cNvPr id="81" name="Shape 81"/>
+        <p:cNvPr id="1" name="Shape 81"/>
         <p:cNvGrpSpPr/>
         <p:nvPr/>
       </p:nvGrpSpPr>
@@ -6508,7 +6655,9 @@
       <p:sp>
         <p:nvSpPr>
           <p:cNvPr id="82" name="Google Shape;82;p17"/>
-          <p:cNvSpPr txBox="1"/>
+          <p:cNvSpPr txBox="1">
+            <a:spLocks noGrp="1"/>
+          </p:cNvSpPr>
           <p:nvPr>
             <p:ph type="title"/>
           </p:nvPr>
@@ -6523,12 +6672,12 @@
           </a:prstGeom>
         </p:spPr>
         <p:txBody>
-          <a:bodyPr anchorCtr="0" anchor="t" bIns="91425" lIns="91425" spcFirstLastPara="1" rIns="91425" wrap="square" tIns="91425">
+          <a:bodyPr spcFirstLastPara="1" wrap="square" lIns="91425" tIns="91425" rIns="91425" bIns="91425" anchor="t" anchorCtr="0">
             <a:noAutofit/>
           </a:bodyPr>
           <a:lstStyle/>
           <a:p>
-            <a:pPr indent="0" lvl="0" marL="0" rtl="0" algn="ctr">
+            <a:pPr marL="0" lvl="0" indent="0" algn="ctr" rtl="0">
               <a:spcBef>
                 <a:spcPts val="0"/>
               </a:spcBef>
@@ -6538,7 +6687,7 @@
               <a:buNone/>
             </a:pPr>
             <a:r>
-              <a:rPr b="1" lang="en" sz="4100">
+              <a:rPr lang="en" sz="4100" b="1">
                 <a:latin typeface="Montserrat"/>
                 <a:ea typeface="Montserrat"/>
                 <a:cs typeface="Montserrat"/>
@@ -6546,7 +6695,7 @@
               </a:rPr>
               <a:t>Future</a:t>
             </a:r>
-            <a:endParaRPr b="1" sz="4100">
+            <a:endParaRPr sz="4100" b="1">
               <a:latin typeface="Montserrat"/>
               <a:ea typeface="Montserrat"/>
               <a:cs typeface="Montserrat"/>
@@ -6592,11 +6741,11 @@
 </file>
 
 <file path=ppt/slides/slide6.xml><?xml version="1.0" encoding="utf-8"?>
-<p:sld xmlns:a="http://schemas.openxmlformats.org/drawingml/2006/main" xmlns:r="http://schemas.openxmlformats.org/officeDocument/2006/relationships" xmlns:mc="http://schemas.openxmlformats.org/markup-compatibility/2006" xmlns:mv="urn:schemas-microsoft-com:mac:vml" xmlns:p="http://schemas.openxmlformats.org/presentationml/2006/main" xmlns:c="http://schemas.openxmlformats.org/drawingml/2006/chart" xmlns:dgm="http://schemas.openxmlformats.org/drawingml/2006/diagram" xmlns:o="urn:schemas-microsoft-com:office:office" xmlns:v="urn:schemas-microsoft-com:vml" xmlns:pvml="urn:schemas-microsoft-com:office:powerpoint" xmlns:com="http://schemas.openxmlformats.org/drawingml/2006/compatibility" xmlns:p14="http://schemas.microsoft.com/office/powerpoint/2010/main" xmlns:p15="http://schemas.microsoft.com/office/powerpoint/2012/main">
+<p:sld xmlns:a="http://schemas.openxmlformats.org/drawingml/2006/main" xmlns:r="http://schemas.openxmlformats.org/officeDocument/2006/relationships" xmlns:p="http://schemas.openxmlformats.org/presentationml/2006/main">
   <p:cSld>
     <p:spTree>
       <p:nvGrpSpPr>
-        <p:cNvPr id="87" name="Shape 87"/>
+        <p:cNvPr id="1" name="Shape 87"/>
         <p:cNvGrpSpPr/>
         <p:nvPr/>
       </p:nvGrpSpPr>
@@ -6645,7 +6794,7 @@
 </file>
 
 <file path=ppt/theme/theme1.xml><?xml version="1.0" encoding="utf-8"?>
-<a:theme xmlns:a="http://schemas.openxmlformats.org/drawingml/2006/main" xmlns:r="http://schemas.openxmlformats.org/officeDocument/2006/relationships" name="Simple Light">
+<a:theme xmlns:a="http://schemas.openxmlformats.org/drawingml/2006/main" name="Simple Light">
   <a:themeElements>
     <a:clrScheme name="Simple Light">
       <a:dk1>
@@ -6920,11 +7069,13 @@
       </a:bgFillStyleLst>
     </a:fmtScheme>
   </a:themeElements>
+  <a:objectDefaults/>
+  <a:extraClrSchemeLst/>
 </a:theme>
 </file>
 
 <file path=ppt/theme/theme2.xml><?xml version="1.0" encoding="utf-8"?>
-<a:theme xmlns:a="http://schemas.openxmlformats.org/drawingml/2006/main" xmlns:r="http://schemas.openxmlformats.org/officeDocument/2006/relationships">
+<a:theme xmlns:a="http://schemas.openxmlformats.org/drawingml/2006/main">
   <a:themeElements>
     <a:clrScheme name="Default">
       <a:dk1>
@@ -7199,5 +7350,7 @@
       </a:bgFillStyleLst>
     </a:fmtScheme>
   </a:themeElements>
+  <a:objectDefaults/>
+  <a:extraClrSchemeLst/>
 </a:theme>
 </file>